--- a/20231117/20231123_簡易AI在庫適正化画面→高橋さんなど.pptx
+++ b/20231117/20231123_簡易AI在庫適正化画面→高橋さんなど.pptx
@@ -8,14 +8,17 @@
     <p:sldMasterId id="2147483677" r:id="rId4"/>
   </p:sldMasterIdLst>
   <p:notesMasterIdLst>
-    <p:notesMasterId r:id="rId10"/>
+    <p:notesMasterId r:id="rId13"/>
   </p:notesMasterIdLst>
   <p:sldIdLst>
-    <p:sldId id="256" r:id="rId5"/>
-    <p:sldId id="282" r:id="rId6"/>
-    <p:sldId id="305" r:id="rId7"/>
-    <p:sldId id="283" r:id="rId8"/>
-    <p:sldId id="281" r:id="rId9"/>
+    <p:sldId id="282" r:id="rId5"/>
+    <p:sldId id="305" r:id="rId6"/>
+    <p:sldId id="308" r:id="rId7"/>
+    <p:sldId id="311" r:id="rId8"/>
+    <p:sldId id="306" r:id="rId9"/>
+    <p:sldId id="307" r:id="rId10"/>
+    <p:sldId id="283" r:id="rId11"/>
+    <p:sldId id="281" r:id="rId12"/>
   </p:sldIdLst>
   <p:sldSz cx="12192000" cy="6858000"/>
   <p:notesSz cx="6858000" cy="9144000"/>
@@ -204,7 +207,7 @@
           <a:p>
             <a:fld id="{9658A22A-E5D9-41D2-96B3-0C305ABBA05F}" type="datetimeFigureOut">
               <a:rPr kumimoji="1" lang="ja-JP" altLang="en-US" smtClean="0"/>
-              <a:t>2023/11/22</a:t>
+              <a:t>2023/11/23</a:t>
             </a:fld>
             <a:endParaRPr kumimoji="1" lang="ja-JP" altLang="en-US"/>
           </a:p>
@@ -757,7 +760,7 @@
           <a:p>
             <a:fld id="{E5CE2423-1C35-4C12-BAEC-CBD3693D0CE2}" type="datetimeFigureOut">
               <a:rPr kumimoji="1" lang="ja-JP" altLang="en-US" smtClean="0"/>
-              <a:t>2023/11/22</a:t>
+              <a:t>2023/11/23</a:t>
             </a:fld>
             <a:endParaRPr kumimoji="1" lang="ja-JP" altLang="en-US"/>
           </a:p>
@@ -999,7 +1002,7 @@
             <a:fld id="{FCAFAC13-DB77-42F2-BE26-45BA5532FD50}" type="datetime4">
               <a:rPr lang="en-US" altLang="ja-JP" smtClean="0"/>
               <a:pPr/>
-              <a:t>November 22, 2023</a:t>
+              <a:t>November 23, 2023</a:t>
             </a:fld>
             <a:endParaRPr lang="en-US" dirty="0"/>
           </a:p>
@@ -2451,7 +2454,7 @@
           <a:p>
             <a:fld id="{E5CE2423-1C35-4C12-BAEC-CBD3693D0CE2}" type="datetimeFigureOut">
               <a:rPr kumimoji="1" lang="ja-JP" altLang="en-US" smtClean="0"/>
-              <a:t>2023/11/22</a:t>
+              <a:t>2023/11/23</a:t>
             </a:fld>
             <a:endParaRPr kumimoji="1" lang="ja-JP" altLang="en-US"/>
           </a:p>
@@ -2885,7 +2888,7 @@
           <a:p>
             <a:fld id="{E5CE2423-1C35-4C12-BAEC-CBD3693D0CE2}" type="datetimeFigureOut">
               <a:rPr kumimoji="1" lang="ja-JP" altLang="en-US" smtClean="0"/>
-              <a:t>2023/11/22</a:t>
+              <a:t>2023/11/23</a:t>
             </a:fld>
             <a:endParaRPr kumimoji="1" lang="ja-JP" altLang="en-US"/>
           </a:p>
@@ -3188,7 +3191,7 @@
           <a:p>
             <a:fld id="{E5CE2423-1C35-4C12-BAEC-CBD3693D0CE2}" type="datetimeFigureOut">
               <a:rPr kumimoji="1" lang="ja-JP" altLang="en-US" smtClean="0"/>
-              <a:t>2023/11/22</a:t>
+              <a:t>2023/11/23</a:t>
             </a:fld>
             <a:endParaRPr kumimoji="1" lang="ja-JP" altLang="en-US"/>
           </a:p>
@@ -3404,7 +3407,7 @@
           <a:p>
             <a:fld id="{E5CE2423-1C35-4C12-BAEC-CBD3693D0CE2}" type="datetimeFigureOut">
               <a:rPr kumimoji="1" lang="ja-JP" altLang="en-US" smtClean="0"/>
-              <a:t>2023/11/22</a:t>
+              <a:t>2023/11/23</a:t>
             </a:fld>
             <a:endParaRPr kumimoji="1" lang="ja-JP" altLang="en-US"/>
           </a:p>
@@ -3691,7 +3694,7 @@
             <a:fld id="{FCAFAC13-DB77-42F2-BE26-45BA5532FD50}" type="datetime4">
               <a:rPr lang="en-US" altLang="ja-JP" smtClean="0"/>
               <a:pPr/>
-              <a:t>November 22, 2023</a:t>
+              <a:t>November 23, 2023</a:t>
             </a:fld>
             <a:endParaRPr lang="en-US" dirty="0"/>
           </a:p>
@@ -3846,7 +3849,7 @@
             <a:fld id="{FCAFAC13-DB77-42F2-BE26-45BA5532FD50}" type="datetime4">
               <a:rPr lang="en-US" altLang="ja-JP" smtClean="0"/>
               <a:pPr/>
-              <a:t>November 22, 2023</a:t>
+              <a:t>November 23, 2023</a:t>
             </a:fld>
             <a:endParaRPr lang="en-US" dirty="0"/>
           </a:p>
@@ -4064,7 +4067,7 @@
             <a:fld id="{FCAFAC13-DB77-42F2-BE26-45BA5532FD50}" type="datetime4">
               <a:rPr lang="en-US" altLang="ja-JP" smtClean="0"/>
               <a:pPr/>
-              <a:t>November 22, 2023</a:t>
+              <a:t>November 23, 2023</a:t>
             </a:fld>
             <a:endParaRPr lang="en-US" dirty="0"/>
           </a:p>
@@ -4396,7 +4399,7 @@
           <a:p>
             <a:fld id="{E5CE2423-1C35-4C12-BAEC-CBD3693D0CE2}" type="datetimeFigureOut">
               <a:rPr kumimoji="1" lang="ja-JP" altLang="en-US" smtClean="0"/>
-              <a:t>2023/11/22</a:t>
+              <a:t>2023/11/23</a:t>
             </a:fld>
             <a:endParaRPr kumimoji="1" lang="ja-JP" altLang="en-US"/>
           </a:p>
@@ -10746,7 +10749,7 @@
             <a:fld id="{FCAFAC13-DB77-42F2-BE26-45BA5532FD50}" type="datetime4">
               <a:rPr lang="en-US" altLang="ja-JP" smtClean="0"/>
               <a:pPr/>
-              <a:t>November 22, 2023</a:t>
+              <a:t>November 23, 2023</a:t>
             </a:fld>
             <a:endParaRPr lang="en-US" dirty="0"/>
           </a:p>
@@ -16566,109 +16569,6 @@
       </p:grpSpPr>
       <p:sp>
         <p:nvSpPr>
-          <p:cNvPr id="4" name="テキスト プレースホルダー 3"/>
-          <p:cNvSpPr>
-            <a:spLocks noGrp="1"/>
-          </p:cNvSpPr>
-          <p:nvPr>
-            <p:ph type="body" sz="quarter" idx="18"/>
-          </p:nvPr>
-        </p:nvSpPr>
-        <p:spPr/>
-        <p:txBody>
-          <a:bodyPr/>
-          <a:lstStyle/>
-          <a:p>
-            <a:endParaRPr kumimoji="1" lang="ja-JP" altLang="en-US" dirty="0"/>
-          </a:p>
-        </p:txBody>
-      </p:sp>
-      <p:sp>
-        <p:nvSpPr>
-          <p:cNvPr id="5" name="テキスト プレースホルダー 4"/>
-          <p:cNvSpPr>
-            <a:spLocks noGrp="1"/>
-          </p:cNvSpPr>
-          <p:nvPr>
-            <p:ph type="body" sz="quarter" idx="19"/>
-          </p:nvPr>
-        </p:nvSpPr>
-        <p:spPr/>
-        <p:txBody>
-          <a:bodyPr/>
-          <a:lstStyle/>
-          <a:p>
-            <a:r>
-              <a:rPr kumimoji="1" lang="en-US" altLang="ja-JP" dirty="0"/>
-              <a:t>2022</a:t>
-            </a:r>
-            <a:r>
-              <a:rPr kumimoji="1" lang="ja-JP" altLang="en-US" dirty="0"/>
-              <a:t>年３月</a:t>
-            </a:r>
-            <a:r>
-              <a:rPr lang="ja-JP" altLang="en-US" dirty="0"/>
-              <a:t>１７</a:t>
-            </a:r>
-            <a:r>
-              <a:rPr kumimoji="1" lang="ja-JP" altLang="en-US" dirty="0"/>
-              <a:t>日</a:t>
-            </a:r>
-            <a:endParaRPr kumimoji="1" lang="en-US" altLang="ja-JP" dirty="0"/>
-          </a:p>
-          <a:p>
-            <a:r>
-              <a:rPr lang="en-US" altLang="ja-JP" dirty="0"/>
-              <a:t>DS</a:t>
-            </a:r>
-            <a:r>
-              <a:rPr lang="ja-JP" altLang="en-US" dirty="0"/>
-              <a:t>部　業革</a:t>
-            </a:r>
-            <a:r>
-              <a:rPr lang="en-US" altLang="ja-JP" dirty="0"/>
-              <a:t>AI</a:t>
-            </a:r>
-            <a:r>
-              <a:rPr lang="ja-JP" altLang="en-US" dirty="0"/>
-              <a:t>開発室</a:t>
-            </a:r>
-            <a:endParaRPr kumimoji="1" lang="ja-JP" altLang="en-US" dirty="0"/>
-          </a:p>
-        </p:txBody>
-      </p:sp>
-    </p:spTree>
-    <p:extLst>
-      <p:ext uri="{BB962C8B-B14F-4D97-AF65-F5344CB8AC3E}">
-        <p14:creationId xmlns:p14="http://schemas.microsoft.com/office/powerpoint/2010/main" val="3797373304"/>
-      </p:ext>
-    </p:extLst>
-  </p:cSld>
-  <p:clrMapOvr>
-    <a:masterClrMapping/>
-  </p:clrMapOvr>
-</p:sld>
-</file>
-
-<file path=ppt/slides/slide2.xml><?xml version="1.0" encoding="utf-8"?>
-<p:sld xmlns:a="http://schemas.openxmlformats.org/drawingml/2006/main" xmlns:r="http://schemas.openxmlformats.org/officeDocument/2006/relationships" xmlns:p="http://schemas.openxmlformats.org/presentationml/2006/main">
-  <p:cSld>
-    <p:spTree>
-      <p:nvGrpSpPr>
-        <p:cNvPr id="1" name=""/>
-        <p:cNvGrpSpPr/>
-        <p:nvPr/>
-      </p:nvGrpSpPr>
-      <p:grpSpPr>
-        <a:xfrm>
-          <a:off x="0" y="0"/>
-          <a:ext cx="0" cy="0"/>
-          <a:chOff x="0" y="0"/>
-          <a:chExt cx="0" cy="0"/>
-        </a:xfrm>
-      </p:grpSpPr>
-      <p:sp>
-        <p:nvSpPr>
           <p:cNvPr id="2" name="テキスト プレースホルダー 1">
             <a:extLst>
               <a:ext uri="{FF2B5EF4-FFF2-40B4-BE49-F238E27FC236}">
@@ -16705,7 +16605,7 @@
           <a:p>
             <a:r>
               <a:rPr lang="ja-JP" altLang="en-US" sz="1800" b="0" dirty="0"/>
-              <a:t>・アイデアを形にする中で、課題や懸念点も見つかりましたので改めて今後の進め方を検討できればと考えております。</a:t>
+              <a:t>・アイデアを形にする中で、課題や懸念点も見つかりましたので改めて今後の方向性を検討できればと考えております。</a:t>
             </a:r>
             <a:endParaRPr lang="en-US" altLang="en-US" sz="1800" b="0" dirty="0"/>
           </a:p>
@@ -16764,7 +16664,7 @@
             <a:fld id="{FCAFAC13-DB77-42F2-BE26-45BA5532FD50}" type="datetime4">
               <a:rPr lang="en-US" altLang="ja-JP" smtClean="0"/>
               <a:pPr/>
-              <a:t>November 22, 2023</a:t>
+              <a:t>November 23, 2023</a:t>
             </a:fld>
             <a:endParaRPr lang="en-US" dirty="0"/>
           </a:p>
@@ -16877,7 +16777,7 @@
           <a:p>
             <a:r>
               <a:rPr lang="ja-JP" altLang="en-US" sz="1400" b="1" u="sng" dirty="0"/>
-              <a:t>生革部さんのアイデア</a:t>
+              <a:t>生革部さんの元アイデア</a:t>
             </a:r>
           </a:p>
         </p:txBody>
@@ -22089,7 +21989,7 @@
 </p:sld>
 </file>
 
-<file path=ppt/slides/slide3.xml><?xml version="1.0" encoding="utf-8"?>
+<file path=ppt/slides/slide2.xml><?xml version="1.0" encoding="utf-8"?>
 <p:sld xmlns:a="http://schemas.openxmlformats.org/drawingml/2006/main" xmlns:r="http://schemas.openxmlformats.org/officeDocument/2006/relationships" xmlns:p="http://schemas.openxmlformats.org/presentationml/2006/main">
   <p:cSld>
     <p:spTree>
@@ -22108,7 +22008,13 @@
       </p:grpSpPr>
       <p:sp>
         <p:nvSpPr>
-          <p:cNvPr id="9" name="テキスト プレースホルダー 8"/>
+          <p:cNvPr id="18" name="テキスト プレースホルダー 17">
+            <a:extLst>
+              <a:ext uri="{FF2B5EF4-FFF2-40B4-BE49-F238E27FC236}">
+                <a16:creationId xmlns:a16="http://schemas.microsoft.com/office/drawing/2014/main" id="{66689535-E93F-4D1E-B320-3A1F03D5965C}"/>
+              </a:ext>
+            </a:extLst>
+          </p:cNvPr>
           <p:cNvSpPr>
             <a:spLocks noGrp="1"/>
           </p:cNvSpPr>
@@ -22123,16 +22029,11 @@
           <a:p>
             <a:r>
               <a:rPr kumimoji="1" lang="ja-JP" altLang="en-US" sz="1800" b="0" dirty="0"/>
-              <a:t>「発見する要素」に対する「影響する因子」の影響度を</a:t>
-            </a:r>
-            <a:r>
-              <a:rPr lang="ja-JP" altLang="en-US" sz="1800" b="0" dirty="0"/>
-              <a:t>定量化</a:t>
-            </a:r>
-            <a:r>
-              <a:rPr kumimoji="1" lang="ja-JP" altLang="en-US" sz="1800" b="0" dirty="0"/>
-              <a:t>するステップは以下の通りです</a:t>
-            </a:r>
+              <a:t>「発見する要素」に対する「影響する因子」の影響度を計算する方法以下の通りです</a:t>
+            </a:r>
+          </a:p>
+          <a:p>
+            <a:endParaRPr kumimoji="1" lang="ja-JP" altLang="en-US" dirty="0"/>
           </a:p>
         </p:txBody>
       </p:sp>
@@ -22157,7 +22058,7 @@
             </a:r>
             <a:r>
               <a:rPr lang="ja-JP" altLang="en-US" sz="2400" dirty="0"/>
-              <a:t>在庫適正化画面を実現するステップ（詳細は別ページ）</a:t>
+              <a:t>在庫適正化画面を実現するステップ（詳細は別ページに記載）</a:t>
             </a:r>
             <a:endParaRPr lang="en-US" altLang="ja-JP" dirty="0"/>
           </a:p>
@@ -22181,7 +22082,7 @@
             <a:fld id="{FCAFAC13-DB77-42F2-BE26-45BA5532FD50}" type="datetime4">
               <a:rPr lang="en-US" altLang="ja-JP" smtClean="0"/>
               <a:pPr/>
-              <a:t>November 22, 2023</a:t>
+              <a:t>November 23, 2023</a:t>
             </a:fld>
             <a:endParaRPr lang="en-US" dirty="0"/>
           </a:p>
@@ -22195,7 +22096,7 @@
         </p:nvSpPr>
         <p:spPr>
           <a:xfrm>
-            <a:off x="797672" y="4149198"/>
+            <a:off x="643952" y="3899046"/>
             <a:ext cx="440578" cy="406400"/>
           </a:xfrm>
           <a:prstGeom prst="roundRect">
@@ -22382,13 +22283,18 @@
               <a:t>③</a:t>
             </a:r>
             <a:r>
-              <a:rPr kumimoji="1" lang="ja-JP" altLang="en-US" dirty="0">
+              <a:rPr lang="ja-JP" altLang="en-US" dirty="0">
                 <a:solidFill>
                   <a:schemeClr val="bg1"/>
                 </a:solidFill>
               </a:rPr>
-              <a:t>ツール化</a:t>
-            </a:r>
+              <a:t>ヒートマップの作成</a:t>
+            </a:r>
+            <a:endParaRPr kumimoji="1" lang="ja-JP" altLang="en-US" dirty="0">
+              <a:solidFill>
+                <a:schemeClr val="bg1"/>
+              </a:solidFill>
+            </a:endParaRPr>
           </a:p>
         </p:txBody>
       </p:sp>
@@ -22401,7 +22307,7 @@
         <p:spPr>
           <a:xfrm>
             <a:off x="513279" y="1970139"/>
-            <a:ext cx="3678462" cy="1600438"/>
+            <a:ext cx="3678462" cy="954107"/>
           </a:xfrm>
           <a:prstGeom prst="rect">
             <a:avLst/>
@@ -22415,29 +22321,53 @@
           <a:lstStyle/>
           <a:p>
             <a:r>
+              <a:rPr lang="ja-JP" altLang="en-US" sz="1400" b="1" dirty="0"/>
+              <a:t>実施事項）</a:t>
+            </a:r>
+            <a:r>
               <a:rPr lang="ja-JP" altLang="en-US" sz="1400" dirty="0"/>
-              <a:t>■ゴール</a:t>
-            </a:r>
-            <a:endParaRPr lang="en-US" altLang="ja-JP" sz="1400" dirty="0"/>
-          </a:p>
-          <a:p>
+              <a:t>複数の</a:t>
+            </a:r>
+            <a:r>
+              <a:rPr lang="ja-JP" altLang="en-US" sz="1400" dirty="0">
+                <a:solidFill>
+                  <a:schemeClr val="accent5"/>
+                </a:solidFill>
+              </a:rPr>
+              <a:t>「影響する因子（異常の要因の候補」</a:t>
+            </a:r>
             <a:r>
               <a:rPr lang="ja-JP" altLang="en-US" sz="1400" dirty="0"/>
-              <a:t>複数の「影響する因子」から個々の「発見する要素」を精度良く予測するモデルを開発する</a:t>
-            </a:r>
-            <a:endParaRPr lang="en-US" altLang="ja-JP" sz="1400" dirty="0"/>
-          </a:p>
-          <a:p>
-            <a:endParaRPr kumimoji="1" lang="en-US" altLang="ja-JP" sz="1400" dirty="0"/>
-          </a:p>
-          <a:p>
+              <a:t>から個々の</a:t>
+            </a:r>
+            <a:r>
+              <a:rPr lang="ja-JP" altLang="en-US" sz="1400" dirty="0">
+                <a:solidFill>
+                  <a:schemeClr val="accent6"/>
+                </a:solidFill>
+              </a:rPr>
+              <a:t>「発見する要素（在庫数</a:t>
+            </a:r>
+            <a:r>
+              <a:rPr lang="en-US" altLang="ja-JP" sz="1400" dirty="0">
+                <a:solidFill>
+                  <a:schemeClr val="accent6"/>
+                </a:solidFill>
+              </a:rPr>
+              <a:t>/</a:t>
+            </a:r>
+            <a:r>
+              <a:rPr lang="ja-JP" altLang="en-US" sz="1400" dirty="0">
+                <a:solidFill>
+                  <a:schemeClr val="accent6"/>
+                </a:solidFill>
+              </a:rPr>
+              <a:t>かんばんの状態）」</a:t>
+            </a:r>
             <a:r>
               <a:rPr lang="ja-JP" altLang="en-US" sz="1400" dirty="0"/>
-              <a:t>■懸念点</a:t>
-            </a:r>
-            <a:endParaRPr lang="en-US" altLang="ja-JP" sz="1400" dirty="0"/>
-          </a:p>
-          <a:p>
+              <a:t>を精度良く予測するモデルを開発する</a:t>
+            </a:r>
             <a:endParaRPr lang="en-US" altLang="ja-JP" sz="1400" dirty="0"/>
           </a:p>
         </p:txBody>
@@ -22450,8 +22380,8 @@
         </p:nvSpPr>
         <p:spPr>
           <a:xfrm>
-            <a:off x="4337050" y="2080572"/>
-            <a:ext cx="3429000" cy="523220"/>
+            <a:off x="4260850" y="1970139"/>
+            <a:ext cx="3429000" cy="738664"/>
           </a:xfrm>
           <a:prstGeom prst="rect">
             <a:avLst/>
@@ -22465,6 +22395,10 @@
           <a:lstStyle/>
           <a:p>
             <a:r>
+              <a:rPr kumimoji="1" lang="ja-JP" altLang="en-US" sz="1400" b="1" dirty="0"/>
+              <a:t>実施事項）</a:t>
+            </a:r>
+            <a:r>
               <a:rPr kumimoji="1" lang="ja-JP" altLang="en-US" sz="1400" dirty="0"/>
               <a:t>開発した</a:t>
             </a:r>
@@ -22480,9 +22414,6 @@
               <a:rPr lang="ja-JP" altLang="en-US" sz="1400" dirty="0"/>
               <a:t>の中身を解読し</a:t>
             </a:r>
-            <a:endParaRPr lang="en-US" altLang="ja-JP" sz="1400" dirty="0"/>
-          </a:p>
-          <a:p>
             <a:r>
               <a:rPr kumimoji="1" lang="ja-JP" altLang="en-US" sz="1400" dirty="0"/>
               <a:t>「影響する因子」の影響度</a:t>
@@ -22509,7 +22440,7 @@
         </p:nvSpPr>
         <p:spPr>
           <a:xfrm>
-            <a:off x="794527" y="4670593"/>
+            <a:off x="640807" y="4420441"/>
             <a:ext cx="440578" cy="406400"/>
           </a:xfrm>
           <a:prstGeom prst="roundRect">
@@ -22561,7 +22492,7 @@
         </p:nvSpPr>
         <p:spPr>
           <a:xfrm>
-            <a:off x="804655" y="5420991"/>
+            <a:off x="650935" y="5170839"/>
             <a:ext cx="440578" cy="406400"/>
           </a:xfrm>
           <a:prstGeom prst="roundRect">
@@ -22613,7 +22544,7 @@
         </p:nvSpPr>
         <p:spPr>
           <a:xfrm>
-            <a:off x="861088" y="5140533"/>
+            <a:off x="707368" y="4890381"/>
             <a:ext cx="461665" cy="262251"/>
           </a:xfrm>
           <a:prstGeom prst="rect">
@@ -22649,8 +22580,1223 @@
         </p:nvSpPr>
         <p:spPr>
           <a:xfrm>
-            <a:off x="1864048" y="4158758"/>
-            <a:ext cx="901700" cy="1691039"/>
+            <a:off x="1686207" y="4385498"/>
+            <a:ext cx="901700" cy="756895"/>
+          </a:xfrm>
+          <a:prstGeom prst="rect">
+            <a:avLst/>
+          </a:prstGeom>
+          <a:solidFill>
+            <a:schemeClr val="accent1"/>
+          </a:solidFill>
+          <a:ln>
+            <a:solidFill>
+              <a:schemeClr val="tx2"/>
+            </a:solidFill>
+          </a:ln>
+          <a:effectLst/>
+        </p:spPr>
+        <p:style>
+          <a:lnRef idx="1">
+            <a:schemeClr val="accent1"/>
+          </a:lnRef>
+          <a:fillRef idx="3">
+            <a:schemeClr val="accent1"/>
+          </a:fillRef>
+          <a:effectRef idx="2">
+            <a:schemeClr val="accent1"/>
+          </a:effectRef>
+          <a:fontRef idx="minor">
+            <a:schemeClr val="lt1"/>
+          </a:fontRef>
+        </p:style>
+        <p:txBody>
+          <a:bodyPr rtlCol="0" anchor="ctr"/>
+          <a:lstStyle/>
+          <a:p>
+            <a:pPr algn="ctr"/>
+            <a:r>
+              <a:rPr lang="ja-JP" altLang="en-US" sz="1200" dirty="0">
+                <a:solidFill>
+                  <a:schemeClr val="bg1"/>
+                </a:solidFill>
+              </a:rPr>
+              <a:t>複雑な</a:t>
+            </a:r>
+            <a:endParaRPr lang="en-US" altLang="ja-JP" sz="1200" dirty="0">
+              <a:solidFill>
+                <a:schemeClr val="bg1"/>
+              </a:solidFill>
+            </a:endParaRPr>
+          </a:p>
+          <a:p>
+            <a:pPr algn="ctr"/>
+            <a:r>
+              <a:rPr lang="ja-JP" altLang="en-US" sz="1200" dirty="0">
+                <a:solidFill>
+                  <a:schemeClr val="bg1"/>
+                </a:solidFill>
+              </a:rPr>
+              <a:t>関係？</a:t>
+            </a:r>
+            <a:endParaRPr kumimoji="1" lang="ja-JP" altLang="en-US" sz="1200" dirty="0">
+              <a:solidFill>
+                <a:schemeClr val="bg1"/>
+              </a:solidFill>
+            </a:endParaRPr>
+          </a:p>
+        </p:txBody>
+      </p:sp>
+      <p:sp>
+        <p:nvSpPr>
+          <p:cNvPr id="53" name="右中かっこ 52">
+            <a:extLst>
+              <a:ext uri="{FF2B5EF4-FFF2-40B4-BE49-F238E27FC236}">
+                <a16:creationId xmlns:a16="http://schemas.microsoft.com/office/drawing/2014/main" id="{9A13D7EF-81D0-4D34-BF5F-C6454BB9CF41}"/>
+              </a:ext>
+            </a:extLst>
+          </p:cNvPr>
+          <p:cNvSpPr/>
+          <p:nvPr/>
+        </p:nvSpPr>
+        <p:spPr>
+          <a:xfrm>
+            <a:off x="1192955" y="3945820"/>
+            <a:ext cx="300587" cy="1631420"/>
+          </a:xfrm>
+          <a:prstGeom prst="rightBrace">
+            <a:avLst>
+              <a:gd name="adj1" fmla="val 8333"/>
+              <a:gd name="adj2" fmla="val 50181"/>
+            </a:avLst>
+          </a:prstGeom>
+        </p:spPr>
+        <p:style>
+          <a:lnRef idx="1">
+            <a:schemeClr val="accent1"/>
+          </a:lnRef>
+          <a:fillRef idx="0">
+            <a:schemeClr val="accent1"/>
+          </a:fillRef>
+          <a:effectRef idx="0">
+            <a:schemeClr val="accent1"/>
+          </a:effectRef>
+          <a:fontRef idx="minor">
+            <a:schemeClr val="tx1"/>
+          </a:fontRef>
+        </p:style>
+        <p:txBody>
+          <a:bodyPr rtlCol="0" anchor="ctr"/>
+          <a:lstStyle/>
+          <a:p>
+            <a:pPr algn="ctr"/>
+            <a:endParaRPr kumimoji="1" lang="ja-JP" altLang="en-US"/>
+          </a:p>
+        </p:txBody>
+      </p:sp>
+      <p:sp>
+        <p:nvSpPr>
+          <p:cNvPr id="56" name="右矢印 44">
+            <a:extLst>
+              <a:ext uri="{FF2B5EF4-FFF2-40B4-BE49-F238E27FC236}">
+                <a16:creationId xmlns:a16="http://schemas.microsoft.com/office/drawing/2014/main" id="{40F63C73-A1BE-495A-9140-A889E7FB974C}"/>
+              </a:ext>
+            </a:extLst>
+          </p:cNvPr>
+          <p:cNvSpPr/>
+          <p:nvPr/>
+        </p:nvSpPr>
+        <p:spPr>
+          <a:xfrm>
+            <a:off x="1257406" y="4613027"/>
+            <a:ext cx="337578" cy="296188"/>
+          </a:xfrm>
+          <a:prstGeom prst="rightArrow">
+            <a:avLst/>
+          </a:prstGeom>
+          <a:solidFill>
+            <a:schemeClr val="accent5"/>
+          </a:solidFill>
+          <a:ln>
+            <a:noFill/>
+          </a:ln>
+          <a:effectLst/>
+        </p:spPr>
+        <p:style>
+          <a:lnRef idx="1">
+            <a:schemeClr val="accent1"/>
+          </a:lnRef>
+          <a:fillRef idx="3">
+            <a:schemeClr val="accent1"/>
+          </a:fillRef>
+          <a:effectRef idx="2">
+            <a:schemeClr val="accent1"/>
+          </a:effectRef>
+          <a:fontRef idx="minor">
+            <a:schemeClr val="lt1"/>
+          </a:fontRef>
+        </p:style>
+        <p:txBody>
+          <a:bodyPr rtlCol="0" anchor="ctr"/>
+          <a:lstStyle/>
+          <a:p>
+            <a:pPr algn="ctr"/>
+            <a:endParaRPr kumimoji="1" lang="ja-JP" altLang="en-US"/>
+          </a:p>
+        </p:txBody>
+      </p:sp>
+      <p:sp>
+        <p:nvSpPr>
+          <p:cNvPr id="57" name="右矢印 44">
+            <a:extLst>
+              <a:ext uri="{FF2B5EF4-FFF2-40B4-BE49-F238E27FC236}">
+                <a16:creationId xmlns:a16="http://schemas.microsoft.com/office/drawing/2014/main" id="{11664FE8-986D-453A-AAB1-600EB1350229}"/>
+              </a:ext>
+            </a:extLst>
+          </p:cNvPr>
+          <p:cNvSpPr/>
+          <p:nvPr/>
+        </p:nvSpPr>
+        <p:spPr>
+          <a:xfrm>
+            <a:off x="2741974" y="4594193"/>
+            <a:ext cx="337578" cy="296188"/>
+          </a:xfrm>
+          <a:prstGeom prst="rightArrow">
+            <a:avLst/>
+          </a:prstGeom>
+          <a:solidFill>
+            <a:schemeClr val="accent6"/>
+          </a:solidFill>
+          <a:ln>
+            <a:noFill/>
+          </a:ln>
+          <a:effectLst/>
+        </p:spPr>
+        <p:style>
+          <a:lnRef idx="1">
+            <a:schemeClr val="accent1"/>
+          </a:lnRef>
+          <a:fillRef idx="3">
+            <a:schemeClr val="accent1"/>
+          </a:fillRef>
+          <a:effectRef idx="2">
+            <a:schemeClr val="accent1"/>
+          </a:effectRef>
+          <a:fontRef idx="minor">
+            <a:schemeClr val="lt1"/>
+          </a:fontRef>
+        </p:style>
+        <p:txBody>
+          <a:bodyPr rtlCol="0" anchor="ctr"/>
+          <a:lstStyle/>
+          <a:p>
+            <a:pPr algn="ctr"/>
+            <a:endParaRPr kumimoji="1" lang="ja-JP" altLang="en-US"/>
+          </a:p>
+        </p:txBody>
+      </p:sp>
+      <p:sp>
+        <p:nvSpPr>
+          <p:cNvPr id="58" name="テキスト ボックス 57">
+            <a:extLst>
+              <a:ext uri="{FF2B5EF4-FFF2-40B4-BE49-F238E27FC236}">
+                <a16:creationId xmlns:a16="http://schemas.microsoft.com/office/drawing/2014/main" id="{D5C3887D-8571-48D5-BDC0-AFD6B47438F3}"/>
+              </a:ext>
+            </a:extLst>
+          </p:cNvPr>
+          <p:cNvSpPr txBox="1"/>
+          <p:nvPr/>
+        </p:nvSpPr>
+        <p:spPr>
+          <a:xfrm>
+            <a:off x="359559" y="5678146"/>
+            <a:ext cx="1238326" cy="276999"/>
+          </a:xfrm>
+          <a:prstGeom prst="rect">
+            <a:avLst/>
+          </a:prstGeom>
+          <a:noFill/>
+        </p:spPr>
+        <p:txBody>
+          <a:bodyPr wrap="square">
+            <a:spAutoFit/>
+          </a:bodyPr>
+          <a:lstStyle/>
+          <a:p>
+            <a:pPr algn="ctr"/>
+            <a:r>
+              <a:rPr lang="ja-JP" altLang="en-US" sz="1200" dirty="0">
+                <a:solidFill>
+                  <a:schemeClr val="accent5"/>
+                </a:solidFill>
+              </a:rPr>
+              <a:t>影響する因子</a:t>
+            </a:r>
+            <a:endParaRPr kumimoji="1" lang="ja-JP" altLang="en-US" sz="1200" dirty="0">
+              <a:solidFill>
+                <a:schemeClr val="accent5"/>
+              </a:solidFill>
+            </a:endParaRPr>
+          </a:p>
+        </p:txBody>
+      </p:sp>
+      <p:sp>
+        <p:nvSpPr>
+          <p:cNvPr id="59" name="テキスト ボックス 58">
+            <a:extLst>
+              <a:ext uri="{FF2B5EF4-FFF2-40B4-BE49-F238E27FC236}">
+                <a16:creationId xmlns:a16="http://schemas.microsoft.com/office/drawing/2014/main" id="{0778B63B-040A-408A-9A68-244941725B08}"/>
+              </a:ext>
+            </a:extLst>
+          </p:cNvPr>
+          <p:cNvSpPr txBox="1"/>
+          <p:nvPr/>
+        </p:nvSpPr>
+        <p:spPr>
+          <a:xfrm>
+            <a:off x="2771579" y="5010115"/>
+            <a:ext cx="1266442" cy="276999"/>
+          </a:xfrm>
+          <a:prstGeom prst="rect">
+            <a:avLst/>
+          </a:prstGeom>
+          <a:noFill/>
+        </p:spPr>
+        <p:txBody>
+          <a:bodyPr wrap="square">
+            <a:spAutoFit/>
+          </a:bodyPr>
+          <a:lstStyle/>
+          <a:p>
+            <a:pPr algn="ctr"/>
+            <a:r>
+              <a:rPr kumimoji="1" lang="ja-JP" altLang="en-US" sz="1200" dirty="0">
+                <a:solidFill>
+                  <a:schemeClr val="accent6"/>
+                </a:solidFill>
+              </a:rPr>
+              <a:t>発見する要素</a:t>
+            </a:r>
+            <a:endParaRPr kumimoji="1" lang="en-US" altLang="ja-JP" sz="1200" dirty="0">
+              <a:solidFill>
+                <a:schemeClr val="accent6"/>
+              </a:solidFill>
+            </a:endParaRPr>
+          </a:p>
+        </p:txBody>
+      </p:sp>
+      <p:sp>
+        <p:nvSpPr>
+          <p:cNvPr id="60" name="角丸四角形 19">
+            <a:extLst>
+              <a:ext uri="{FF2B5EF4-FFF2-40B4-BE49-F238E27FC236}">
+                <a16:creationId xmlns:a16="http://schemas.microsoft.com/office/drawing/2014/main" id="{10443469-7B47-42B1-9364-C67D4F15DAA3}"/>
+              </a:ext>
+            </a:extLst>
+          </p:cNvPr>
+          <p:cNvSpPr/>
+          <p:nvPr/>
+        </p:nvSpPr>
+        <p:spPr>
+          <a:xfrm>
+            <a:off x="3184511" y="4539087"/>
+            <a:ext cx="440578" cy="406400"/>
+          </a:xfrm>
+          <a:prstGeom prst="roundRect">
+            <a:avLst/>
+          </a:prstGeom>
+          <a:solidFill>
+            <a:schemeClr val="accent6"/>
+          </a:solidFill>
+          <a:effectLst/>
+        </p:spPr>
+        <p:style>
+          <a:lnRef idx="1">
+            <a:schemeClr val="accent1"/>
+          </a:lnRef>
+          <a:fillRef idx="3">
+            <a:schemeClr val="accent1"/>
+          </a:fillRef>
+          <a:effectRef idx="2">
+            <a:schemeClr val="accent1"/>
+          </a:effectRef>
+          <a:fontRef idx="minor">
+            <a:schemeClr val="lt1"/>
+          </a:fontRef>
+        </p:style>
+        <p:txBody>
+          <a:bodyPr rtlCol="0" anchor="ctr"/>
+          <a:lstStyle/>
+          <a:p>
+            <a:pPr algn="ctr"/>
+            <a:endParaRPr kumimoji="1" lang="ja-JP" altLang="en-US" sz="800" dirty="0"/>
+          </a:p>
+        </p:txBody>
+      </p:sp>
+      <p:sp>
+        <p:nvSpPr>
+          <p:cNvPr id="24" name="テキスト ボックス 23">
+            <a:extLst>
+              <a:ext uri="{FF2B5EF4-FFF2-40B4-BE49-F238E27FC236}">
+                <a16:creationId xmlns:a16="http://schemas.microsoft.com/office/drawing/2014/main" id="{3B72593B-404C-4AC3-AC73-4C0C3FA0C457}"/>
+              </a:ext>
+            </a:extLst>
+          </p:cNvPr>
+          <p:cNvSpPr txBox="1"/>
+          <p:nvPr/>
+        </p:nvSpPr>
+        <p:spPr>
+          <a:xfrm>
+            <a:off x="501887" y="3003074"/>
+            <a:ext cx="3678462" cy="738664"/>
+          </a:xfrm>
+          <a:prstGeom prst="rect">
+            <a:avLst/>
+          </a:prstGeom>
+          <a:noFill/>
+        </p:spPr>
+        <p:txBody>
+          <a:bodyPr wrap="square" rtlCol="0">
+            <a:spAutoFit/>
+          </a:bodyPr>
+          <a:lstStyle/>
+          <a:p>
+            <a:r>
+              <a:rPr lang="ja-JP" altLang="en-US" sz="1400" b="1" dirty="0"/>
+              <a:t>ポイント）</a:t>
+            </a:r>
+            <a:r>
+              <a:rPr lang="en-US" altLang="ja-JP" sz="1400" dirty="0"/>
+              <a:t>AI</a:t>
+            </a:r>
+            <a:r>
+              <a:rPr lang="ja-JP" altLang="en-US" sz="1400" dirty="0"/>
+              <a:t>が「影響する因子」と「発見する要素」の関係性を学習することでデータに潜む規則や構造を理解します</a:t>
+            </a:r>
+            <a:endParaRPr lang="en-US" altLang="ja-JP" sz="1400" dirty="0"/>
+          </a:p>
+        </p:txBody>
+      </p:sp>
+      <p:sp>
+        <p:nvSpPr>
+          <p:cNvPr id="26" name="テキスト ボックス 25">
+            <a:extLst>
+              <a:ext uri="{FF2B5EF4-FFF2-40B4-BE49-F238E27FC236}">
+                <a16:creationId xmlns:a16="http://schemas.microsoft.com/office/drawing/2014/main" id="{03615A1C-8F6E-48D6-A5CE-23705D921D6E}"/>
+              </a:ext>
+            </a:extLst>
+          </p:cNvPr>
+          <p:cNvSpPr txBox="1"/>
+          <p:nvPr/>
+        </p:nvSpPr>
+        <p:spPr>
+          <a:xfrm>
+            <a:off x="1380061" y="6147672"/>
+            <a:ext cx="2415690" cy="307777"/>
+          </a:xfrm>
+          <a:prstGeom prst="rect">
+            <a:avLst/>
+          </a:prstGeom>
+          <a:noFill/>
+        </p:spPr>
+        <p:txBody>
+          <a:bodyPr wrap="square">
+            <a:spAutoFit/>
+          </a:bodyPr>
+          <a:lstStyle/>
+          <a:p>
+            <a:pPr algn="ctr"/>
+            <a:r>
+              <a:rPr kumimoji="1" lang="en-US" altLang="ja-JP" sz="1400" dirty="0"/>
+              <a:t>AI</a:t>
+            </a:r>
+            <a:r>
+              <a:rPr kumimoji="1" lang="ja-JP" altLang="en-US" sz="1400" dirty="0"/>
+              <a:t>（機械学習）</a:t>
+            </a:r>
+          </a:p>
+        </p:txBody>
+      </p:sp>
+      <p:sp>
+        <p:nvSpPr>
+          <p:cNvPr id="27" name="テキスト ボックス 26">
+            <a:extLst>
+              <a:ext uri="{FF2B5EF4-FFF2-40B4-BE49-F238E27FC236}">
+                <a16:creationId xmlns:a16="http://schemas.microsoft.com/office/drawing/2014/main" id="{5CC37E2B-C9DB-45F8-8BD0-A963EC5FCCA5}"/>
+              </a:ext>
+            </a:extLst>
+          </p:cNvPr>
+          <p:cNvSpPr txBox="1"/>
+          <p:nvPr/>
+        </p:nvSpPr>
+        <p:spPr>
+          <a:xfrm>
+            <a:off x="4274623" y="2983942"/>
+            <a:ext cx="3678462" cy="738664"/>
+          </a:xfrm>
+          <a:prstGeom prst="rect">
+            <a:avLst/>
+          </a:prstGeom>
+          <a:noFill/>
+        </p:spPr>
+        <p:txBody>
+          <a:bodyPr wrap="square" rtlCol="0">
+            <a:spAutoFit/>
+          </a:bodyPr>
+          <a:lstStyle/>
+          <a:p>
+            <a:r>
+              <a:rPr lang="ja-JP" altLang="en-US" sz="1400" b="1" dirty="0"/>
+              <a:t>ポイント）</a:t>
+            </a:r>
+            <a:r>
+              <a:rPr lang="en-US" altLang="ja-JP" sz="1400" dirty="0"/>
+              <a:t>AI</a:t>
+            </a:r>
+            <a:r>
+              <a:rPr lang="ja-JP" altLang="en-US" sz="1400" dirty="0"/>
+              <a:t>が見つけた規則や構造はヒトが理解できないほど複雑なため、ヒトが理解できる形（影響度）に変換します</a:t>
+            </a:r>
+            <a:endParaRPr lang="en-US" altLang="ja-JP" sz="1400" dirty="0"/>
+          </a:p>
+        </p:txBody>
+      </p:sp>
+      <p:cxnSp>
+        <p:nvCxnSpPr>
+          <p:cNvPr id="7" name="コネクタ: カギ線 6">
+            <a:extLst>
+              <a:ext uri="{FF2B5EF4-FFF2-40B4-BE49-F238E27FC236}">
+                <a16:creationId xmlns:a16="http://schemas.microsoft.com/office/drawing/2014/main" id="{8F0A1822-6E96-4BB2-BE52-6327B224D3FC}"/>
+              </a:ext>
+            </a:extLst>
+          </p:cNvPr>
+          <p:cNvCxnSpPr>
+            <a:cxnSpLocks/>
+          </p:cNvCxnSpPr>
+          <p:nvPr/>
+        </p:nvCxnSpPr>
+        <p:spPr>
+          <a:xfrm rot="10800000">
+            <a:off x="1885620" y="5170840"/>
+            <a:ext cx="292232" cy="507307"/>
+          </a:xfrm>
+          <a:prstGeom prst="bentConnector2">
+            <a:avLst/>
+          </a:prstGeom>
+          <a:ln w="28575">
+            <a:solidFill>
+              <a:schemeClr val="accent1"/>
+            </a:solidFill>
+            <a:tailEnd type="triangle"/>
+          </a:ln>
+        </p:spPr>
+        <p:style>
+          <a:lnRef idx="1">
+            <a:schemeClr val="accent1"/>
+          </a:lnRef>
+          <a:fillRef idx="0">
+            <a:schemeClr val="accent1"/>
+          </a:fillRef>
+          <a:effectRef idx="0">
+            <a:schemeClr val="accent1"/>
+          </a:effectRef>
+          <a:fontRef idx="minor">
+            <a:schemeClr val="tx1"/>
+          </a:fontRef>
+        </p:style>
+      </p:cxnSp>
+      <p:sp>
+        <p:nvSpPr>
+          <p:cNvPr id="33" name="テキスト ボックス 32">
+            <a:extLst>
+              <a:ext uri="{FF2B5EF4-FFF2-40B4-BE49-F238E27FC236}">
+                <a16:creationId xmlns:a16="http://schemas.microsoft.com/office/drawing/2014/main" id="{556A1772-307E-43A4-A421-9C7438A06C07}"/>
+              </a:ext>
+            </a:extLst>
+          </p:cNvPr>
+          <p:cNvSpPr txBox="1"/>
+          <p:nvPr/>
+        </p:nvSpPr>
+        <p:spPr>
+          <a:xfrm>
+            <a:off x="1731069" y="5717751"/>
+            <a:ext cx="573828" cy="307777"/>
+          </a:xfrm>
+          <a:prstGeom prst="rect">
+            <a:avLst/>
+          </a:prstGeom>
+          <a:noFill/>
+        </p:spPr>
+        <p:txBody>
+          <a:bodyPr wrap="square">
+            <a:spAutoFit/>
+          </a:bodyPr>
+          <a:lstStyle/>
+          <a:p>
+            <a:pPr algn="ctr"/>
+            <a:r>
+              <a:rPr kumimoji="1" lang="ja-JP" altLang="en-US" sz="1400" dirty="0"/>
+              <a:t>学習</a:t>
+            </a:r>
+          </a:p>
+        </p:txBody>
+      </p:sp>
+      <p:sp>
+        <p:nvSpPr>
+          <p:cNvPr id="14" name="吹き出し: 角を丸めた四角形 13">
+            <a:extLst>
+              <a:ext uri="{FF2B5EF4-FFF2-40B4-BE49-F238E27FC236}">
+                <a16:creationId xmlns:a16="http://schemas.microsoft.com/office/drawing/2014/main" id="{C550D8E3-4C58-4033-953F-A632DF6AE1C0}"/>
+              </a:ext>
+            </a:extLst>
+          </p:cNvPr>
+          <p:cNvSpPr/>
+          <p:nvPr/>
+        </p:nvSpPr>
+        <p:spPr>
+          <a:xfrm>
+            <a:off x="3040428" y="5420245"/>
+            <a:ext cx="1355109" cy="670359"/>
+          </a:xfrm>
+          <a:prstGeom prst="wedgeRoundRectCallout">
+            <a:avLst>
+              <a:gd name="adj1" fmla="val -29627"/>
+              <a:gd name="adj2" fmla="val -74087"/>
+              <a:gd name="adj3" fmla="val 16667"/>
+            </a:avLst>
+          </a:prstGeom>
+          <a:solidFill>
+            <a:schemeClr val="bg1"/>
+          </a:solidFill>
+          <a:ln w="12700"/>
+        </p:spPr>
+        <p:style>
+          <a:lnRef idx="2">
+            <a:schemeClr val="accent1">
+              <a:shade val="50000"/>
+            </a:schemeClr>
+          </a:lnRef>
+          <a:fillRef idx="1">
+            <a:schemeClr val="accent1"/>
+          </a:fillRef>
+          <a:effectRef idx="0">
+            <a:schemeClr val="accent1"/>
+          </a:effectRef>
+          <a:fontRef idx="minor">
+            <a:schemeClr val="lt1"/>
+          </a:fontRef>
+        </p:style>
+        <p:txBody>
+          <a:bodyPr rtlCol="0" anchor="ctr"/>
+          <a:lstStyle/>
+          <a:p>
+            <a:r>
+              <a:rPr kumimoji="1" lang="en-US" altLang="ja-JP" sz="1200" dirty="0">
+                <a:solidFill>
+                  <a:schemeClr val="tx1"/>
+                </a:solidFill>
+              </a:rPr>
+              <a:t>AI</a:t>
+            </a:r>
+            <a:r>
+              <a:rPr kumimoji="1" lang="ja-JP" altLang="en-US" sz="1200" dirty="0">
+                <a:solidFill>
+                  <a:schemeClr val="tx1"/>
+                </a:solidFill>
+              </a:rPr>
+              <a:t>が理解できたかの指標として予測精度を見る</a:t>
+            </a:r>
+          </a:p>
+        </p:txBody>
+      </p:sp>
+      <p:pic>
+        <p:nvPicPr>
+          <p:cNvPr id="36" name="Picture 2" descr="検索する人工知能のイラスト">
+            <a:extLst>
+              <a:ext uri="{FF2B5EF4-FFF2-40B4-BE49-F238E27FC236}">
+                <a16:creationId xmlns:a16="http://schemas.microsoft.com/office/drawing/2014/main" id="{EDC9AF6B-E2A9-47A5-8EA3-834085AD3C54}"/>
+              </a:ext>
+            </a:extLst>
+          </p:cNvPr>
+          <p:cNvPicPr>
+            <a:picLocks noChangeAspect="1" noChangeArrowheads="1"/>
+          </p:cNvPicPr>
+          <p:nvPr/>
+        </p:nvPicPr>
+        <p:blipFill>
+          <a:blip r:embed="rId2" cstate="print">
+            <a:extLst>
+              <a:ext uri="{28A0092B-C50C-407E-A947-70E740481C1C}">
+                <a14:useLocalDpi xmlns:a14="http://schemas.microsoft.com/office/drawing/2010/main" val="0"/>
+              </a:ext>
+            </a:extLst>
+          </a:blip>
+          <a:srcRect/>
+          <a:stretch>
+            <a:fillRect/>
+          </a:stretch>
+        </p:blipFill>
+        <p:spPr bwMode="auto">
+          <a:xfrm>
+            <a:off x="2164721" y="5303441"/>
+            <a:ext cx="846371" cy="846371"/>
+          </a:xfrm>
+          <a:prstGeom prst="rect">
+            <a:avLst/>
+          </a:prstGeom>
+          <a:noFill/>
+          <a:extLst>
+            <a:ext uri="{909E8E84-426E-40DD-AFC4-6F175D3DCCD1}">
+              <a14:hiddenFill xmlns:a14="http://schemas.microsoft.com/office/drawing/2010/main">
+                <a:solidFill>
+                  <a:srgbClr val="FFFFFF"/>
+                </a:solidFill>
+              </a14:hiddenFill>
+            </a:ext>
+          </a:extLst>
+        </p:spPr>
+      </p:pic>
+      <p:pic>
+        <p:nvPicPr>
+          <p:cNvPr id="1028" name="Picture 4" descr="ノイローゼの人のイラスト（男性）">
+            <a:extLst>
+              <a:ext uri="{FF2B5EF4-FFF2-40B4-BE49-F238E27FC236}">
+                <a16:creationId xmlns:a16="http://schemas.microsoft.com/office/drawing/2014/main" id="{2AF848D3-48E7-47E7-8580-8C31F7F563BA}"/>
+              </a:ext>
+            </a:extLst>
+          </p:cNvPr>
+          <p:cNvPicPr>
+            <a:picLocks noChangeAspect="1" noChangeArrowheads="1"/>
+          </p:cNvPicPr>
+          <p:nvPr/>
+        </p:nvPicPr>
+        <p:blipFill>
+          <a:blip r:embed="rId3" cstate="print">
+            <a:extLst>
+              <a:ext uri="{28A0092B-C50C-407E-A947-70E740481C1C}">
+                <a14:useLocalDpi xmlns:a14="http://schemas.microsoft.com/office/drawing/2010/main" val="0"/>
+              </a:ext>
+            </a:extLst>
+          </a:blip>
+          <a:srcRect/>
+          <a:stretch>
+            <a:fillRect/>
+          </a:stretch>
+        </p:blipFill>
+        <p:spPr bwMode="auto">
+          <a:xfrm>
+            <a:off x="6232243" y="3845096"/>
+            <a:ext cx="981745" cy="981745"/>
+          </a:xfrm>
+          <a:prstGeom prst="rect">
+            <a:avLst/>
+          </a:prstGeom>
+          <a:noFill/>
+          <a:extLst>
+            <a:ext uri="{909E8E84-426E-40DD-AFC4-6F175D3DCCD1}">
+              <a14:hiddenFill xmlns:a14="http://schemas.microsoft.com/office/drawing/2010/main">
+                <a:solidFill>
+                  <a:srgbClr val="FFFFFF"/>
+                </a:solidFill>
+              </a14:hiddenFill>
+            </a:ext>
+          </a:extLst>
+        </p:spPr>
+      </p:pic>
+      <p:sp>
+        <p:nvSpPr>
+          <p:cNvPr id="16" name="AutoShape 8" descr="学ぶ人工知能のイラスト">
+            <a:extLst>
+              <a:ext uri="{FF2B5EF4-FFF2-40B4-BE49-F238E27FC236}">
+                <a16:creationId xmlns:a16="http://schemas.microsoft.com/office/drawing/2014/main" id="{1FE5D89A-AF32-4CBA-8F5B-05129CD553E9}"/>
+              </a:ext>
+            </a:extLst>
+          </p:cNvPr>
+          <p:cNvSpPr>
+            <a:spLocks noChangeAspect="1" noChangeArrowheads="1"/>
+          </p:cNvSpPr>
+          <p:nvPr/>
+        </p:nvSpPr>
+        <p:spPr bwMode="auto">
+          <a:xfrm>
+            <a:off x="5935684" y="3268684"/>
+            <a:ext cx="312716" cy="312716"/>
+          </a:xfrm>
+          <a:prstGeom prst="rect">
+            <a:avLst/>
+          </a:prstGeom>
+          <a:noFill/>
+          <a:extLst>
+            <a:ext uri="{909E8E84-426E-40DD-AFC4-6F175D3DCCD1}">
+              <a14:hiddenFill xmlns:a14="http://schemas.microsoft.com/office/drawing/2010/main">
+                <a:solidFill>
+                  <a:srgbClr val="FFFFFF"/>
+                </a:solidFill>
+              </a14:hiddenFill>
+            </a:ext>
+          </a:extLst>
+        </p:spPr>
+        <p:txBody>
+          <a:bodyPr vert="horz" wrap="square" lIns="91440" tIns="45720" rIns="91440" bIns="45720" numCol="1" anchor="t" anchorCtr="0" compatLnSpc="1">
+            <a:prstTxWarp prst="textNoShape">
+              <a:avLst/>
+            </a:prstTxWarp>
+          </a:bodyPr>
+          <a:lstStyle/>
+          <a:p>
+            <a:endParaRPr lang="ja-JP" altLang="en-US"/>
+          </a:p>
+        </p:txBody>
+      </p:sp>
+      <p:pic>
+        <p:nvPicPr>
+          <p:cNvPr id="1038" name="Picture 14" descr="[B!] 体脂肪率30%超えから始めるダイエット74日目 - HamUsa’s diary">
+            <a:extLst>
+              <a:ext uri="{FF2B5EF4-FFF2-40B4-BE49-F238E27FC236}">
+                <a16:creationId xmlns:a16="http://schemas.microsoft.com/office/drawing/2014/main" id="{083347D6-F964-40D2-9784-6F1815377F36}"/>
+              </a:ext>
+            </a:extLst>
+          </p:cNvPr>
+          <p:cNvPicPr>
+            <a:picLocks noChangeAspect="1" noChangeArrowheads="1"/>
+          </p:cNvPicPr>
+          <p:nvPr/>
+        </p:nvPicPr>
+        <p:blipFill>
+          <a:blip r:embed="rId4" cstate="print">
+            <a:extLst>
+              <a:ext uri="{28A0092B-C50C-407E-A947-70E740481C1C}">
+                <a14:useLocalDpi xmlns:a14="http://schemas.microsoft.com/office/drawing/2010/main" val="0"/>
+              </a:ext>
+            </a:extLst>
+          </a:blip>
+          <a:srcRect/>
+          <a:stretch>
+            <a:fillRect/>
+          </a:stretch>
+        </p:blipFill>
+        <p:spPr bwMode="auto">
+          <a:xfrm>
+            <a:off x="4309185" y="3888503"/>
+            <a:ext cx="646093" cy="952783"/>
+          </a:xfrm>
+          <a:prstGeom prst="rect">
+            <a:avLst/>
+          </a:prstGeom>
+          <a:noFill/>
+          <a:extLst>
+            <a:ext uri="{909E8E84-426E-40DD-AFC4-6F175D3DCCD1}">
+              <a14:hiddenFill xmlns:a14="http://schemas.microsoft.com/office/drawing/2010/main">
+                <a:solidFill>
+                  <a:srgbClr val="FFFFFF"/>
+                </a:solidFill>
+              </a14:hiddenFill>
+            </a:ext>
+          </a:extLst>
+        </p:spPr>
+      </p:pic>
+      <p:sp>
+        <p:nvSpPr>
+          <p:cNvPr id="45" name="吹き出し: 角を丸めた四角形 44">
+            <a:extLst>
+              <a:ext uri="{FF2B5EF4-FFF2-40B4-BE49-F238E27FC236}">
+                <a16:creationId xmlns:a16="http://schemas.microsoft.com/office/drawing/2014/main" id="{86886AF1-5C35-42C0-9DB7-2E36CEE8A604}"/>
+              </a:ext>
+            </a:extLst>
+          </p:cNvPr>
+          <p:cNvSpPr/>
+          <p:nvPr/>
+        </p:nvSpPr>
+        <p:spPr>
+          <a:xfrm>
+            <a:off x="5156461" y="4050318"/>
+            <a:ext cx="935443" cy="670359"/>
+          </a:xfrm>
+          <a:prstGeom prst="wedgeRoundRectCallout">
+            <a:avLst>
+              <a:gd name="adj1" fmla="val -70243"/>
+              <a:gd name="adj2" fmla="val 14456"/>
+              <a:gd name="adj3" fmla="val 16667"/>
+            </a:avLst>
+          </a:prstGeom>
+          <a:solidFill>
+            <a:schemeClr val="bg1"/>
+          </a:solidFill>
+          <a:ln w="12700"/>
+        </p:spPr>
+        <p:style>
+          <a:lnRef idx="2">
+            <a:schemeClr val="accent1">
+              <a:shade val="50000"/>
+            </a:schemeClr>
+          </a:lnRef>
+          <a:fillRef idx="1">
+            <a:schemeClr val="accent1"/>
+          </a:fillRef>
+          <a:effectRef idx="0">
+            <a:schemeClr val="accent1"/>
+          </a:effectRef>
+          <a:fontRef idx="minor">
+            <a:schemeClr val="lt1"/>
+          </a:fontRef>
+        </p:style>
+        <p:txBody>
+          <a:bodyPr rtlCol="0" anchor="ctr"/>
+          <a:lstStyle/>
+          <a:p>
+            <a:r>
+              <a:rPr kumimoji="1" lang="en-US" altLang="ja-JP" sz="1200" dirty="0">
+                <a:solidFill>
+                  <a:schemeClr val="tx1"/>
+                </a:solidFill>
+              </a:rPr>
+              <a:t>&amp;%132’813#$</a:t>
+            </a:r>
+            <a:r>
+              <a:rPr kumimoji="1" lang="en-US" altLang="ja-JP" sz="1200" dirty="0" err="1">
+                <a:solidFill>
+                  <a:schemeClr val="tx1"/>
+                </a:solidFill>
+              </a:rPr>
+              <a:t>sda</a:t>
+            </a:r>
+            <a:r>
+              <a:rPr kumimoji="1" lang="en-US" altLang="ja-JP" sz="1200" dirty="0">
+                <a:solidFill>
+                  <a:schemeClr val="tx1"/>
+                </a:solidFill>
+              </a:rPr>
+              <a:t>&lt;.+P..1</a:t>
+            </a:r>
+            <a:endParaRPr kumimoji="1" lang="ja-JP" altLang="en-US" sz="1200" dirty="0">
+              <a:solidFill>
+                <a:schemeClr val="tx1"/>
+              </a:solidFill>
+            </a:endParaRPr>
+          </a:p>
+        </p:txBody>
+      </p:sp>
+      <p:sp>
+        <p:nvSpPr>
+          <p:cNvPr id="46" name="吹き出し: 角を丸めた四角形 45">
+            <a:extLst>
+              <a:ext uri="{FF2B5EF4-FFF2-40B4-BE49-F238E27FC236}">
+                <a16:creationId xmlns:a16="http://schemas.microsoft.com/office/drawing/2014/main" id="{453491CC-9677-4FF3-86A4-E70C32B4893E}"/>
+              </a:ext>
+            </a:extLst>
+          </p:cNvPr>
+          <p:cNvSpPr/>
+          <p:nvPr/>
+        </p:nvSpPr>
+        <p:spPr>
+          <a:xfrm>
+            <a:off x="7297506" y="4048155"/>
+            <a:ext cx="1040378" cy="670359"/>
+          </a:xfrm>
+          <a:prstGeom prst="wedgeRoundRectCallout">
+            <a:avLst>
+              <a:gd name="adj1" fmla="val -70243"/>
+              <a:gd name="adj2" fmla="val 14456"/>
+              <a:gd name="adj3" fmla="val 16667"/>
+            </a:avLst>
+          </a:prstGeom>
+          <a:solidFill>
+            <a:schemeClr val="bg1"/>
+          </a:solidFill>
+          <a:ln w="12700"/>
+        </p:spPr>
+        <p:style>
+          <a:lnRef idx="2">
+            <a:schemeClr val="accent1">
+              <a:shade val="50000"/>
+            </a:schemeClr>
+          </a:lnRef>
+          <a:fillRef idx="1">
+            <a:schemeClr val="accent1"/>
+          </a:fillRef>
+          <a:effectRef idx="0">
+            <a:schemeClr val="accent1"/>
+          </a:effectRef>
+          <a:fontRef idx="minor">
+            <a:schemeClr val="lt1"/>
+          </a:fontRef>
+        </p:style>
+        <p:txBody>
+          <a:bodyPr rtlCol="0" anchor="ctr"/>
+          <a:lstStyle/>
+          <a:p>
+            <a:r>
+              <a:rPr kumimoji="1" lang="ja-JP" altLang="en-US" sz="1200" dirty="0">
+                <a:solidFill>
+                  <a:schemeClr val="tx1"/>
+                </a:solidFill>
+              </a:rPr>
+              <a:t>分からない</a:t>
+            </a:r>
+            <a:r>
+              <a:rPr kumimoji="1" lang="en-US" altLang="ja-JP" sz="1200" dirty="0">
+                <a:solidFill>
+                  <a:schemeClr val="tx1"/>
+                </a:solidFill>
+              </a:rPr>
+              <a:t>…</a:t>
+            </a:r>
+            <a:endParaRPr kumimoji="1" lang="ja-JP" altLang="en-US" sz="1200" dirty="0">
+              <a:solidFill>
+                <a:schemeClr val="tx1"/>
+              </a:solidFill>
+            </a:endParaRPr>
+          </a:p>
+        </p:txBody>
+      </p:sp>
+      <p:sp>
+        <p:nvSpPr>
+          <p:cNvPr id="47" name="右矢印 44">
+            <a:extLst>
+              <a:ext uri="{FF2B5EF4-FFF2-40B4-BE49-F238E27FC236}">
+                <a16:creationId xmlns:a16="http://schemas.microsoft.com/office/drawing/2014/main" id="{56FD98E9-51C4-4192-B985-4C08EBF4209A}"/>
+              </a:ext>
+            </a:extLst>
+          </p:cNvPr>
+          <p:cNvSpPr/>
+          <p:nvPr/>
+        </p:nvSpPr>
+        <p:spPr>
+          <a:xfrm rot="5400000">
+            <a:off x="5450511" y="5010841"/>
+            <a:ext cx="337578" cy="296188"/>
+          </a:xfrm>
+          <a:prstGeom prst="rightArrow">
+            <a:avLst/>
+          </a:prstGeom>
+          <a:solidFill>
+            <a:schemeClr val="accent1"/>
+          </a:solidFill>
+          <a:ln>
+            <a:noFill/>
+          </a:ln>
+          <a:effectLst/>
+        </p:spPr>
+        <p:style>
+          <a:lnRef idx="1">
+            <a:schemeClr val="accent1"/>
+          </a:lnRef>
+          <a:fillRef idx="3">
+            <a:schemeClr val="accent1"/>
+          </a:fillRef>
+          <a:effectRef idx="2">
+            <a:schemeClr val="accent1"/>
+          </a:effectRef>
+          <a:fontRef idx="minor">
+            <a:schemeClr val="lt1"/>
+          </a:fontRef>
+        </p:style>
+        <p:txBody>
+          <a:bodyPr rtlCol="0" anchor="ctr"/>
+          <a:lstStyle/>
+          <a:p>
+            <a:pPr algn="ctr"/>
+            <a:endParaRPr kumimoji="1" lang="ja-JP" altLang="en-US"/>
+          </a:p>
+        </p:txBody>
+      </p:sp>
+      <p:sp>
+        <p:nvSpPr>
+          <p:cNvPr id="49" name="吹き出し: 角を丸めた四角形 48">
+            <a:extLst>
+              <a:ext uri="{FF2B5EF4-FFF2-40B4-BE49-F238E27FC236}">
+                <a16:creationId xmlns:a16="http://schemas.microsoft.com/office/drawing/2014/main" id="{CBFAC6B9-CEB4-47A9-AB1E-E9B8B8F60DD1}"/>
+              </a:ext>
+            </a:extLst>
+          </p:cNvPr>
+          <p:cNvSpPr/>
+          <p:nvPr/>
+        </p:nvSpPr>
+        <p:spPr>
+          <a:xfrm>
+            <a:off x="5151579" y="5563314"/>
+            <a:ext cx="935443" cy="670359"/>
+          </a:xfrm>
+          <a:prstGeom prst="wedgeRoundRectCallout">
+            <a:avLst>
+              <a:gd name="adj1" fmla="val -71100"/>
+              <a:gd name="adj2" fmla="val -43576"/>
+              <a:gd name="adj3" fmla="val 16667"/>
+            </a:avLst>
+          </a:prstGeom>
+          <a:solidFill>
+            <a:schemeClr val="bg1"/>
+          </a:solidFill>
+          <a:ln w="12700"/>
+        </p:spPr>
+        <p:style>
+          <a:lnRef idx="2">
+            <a:schemeClr val="accent1">
+              <a:shade val="50000"/>
+            </a:schemeClr>
+          </a:lnRef>
+          <a:fillRef idx="1">
+            <a:schemeClr val="accent1"/>
+          </a:fillRef>
+          <a:effectRef idx="0">
+            <a:schemeClr val="accent1"/>
+          </a:effectRef>
+          <a:fontRef idx="minor">
+            <a:schemeClr val="lt1"/>
+          </a:fontRef>
+        </p:style>
+        <p:txBody>
+          <a:bodyPr rtlCol="0" anchor="ctr"/>
+          <a:lstStyle/>
+          <a:p>
+            <a:r>
+              <a:rPr lang="en-US" altLang="ja-JP" sz="1200" dirty="0">
+                <a:solidFill>
+                  <a:schemeClr val="tx1"/>
+                </a:solidFill>
+              </a:rPr>
+              <a:t>11/15</a:t>
+            </a:r>
+            <a:r>
+              <a:rPr lang="ja-JP" altLang="en-US" sz="1200" dirty="0">
+                <a:solidFill>
+                  <a:schemeClr val="tx1"/>
+                </a:solidFill>
+              </a:rPr>
+              <a:t>日は○○が影響大</a:t>
+            </a:r>
+            <a:endParaRPr kumimoji="1" lang="ja-JP" altLang="en-US" sz="1200" dirty="0">
+              <a:solidFill>
+                <a:schemeClr val="tx1"/>
+              </a:solidFill>
+            </a:endParaRPr>
+          </a:p>
+        </p:txBody>
+      </p:sp>
+      <p:pic>
+        <p:nvPicPr>
+          <p:cNvPr id="1040" name="Picture 16" descr="ひらめいた人のイラスト（男性） | かわいいフリー素材集 いらすとや">
+            <a:extLst>
+              <a:ext uri="{FF2B5EF4-FFF2-40B4-BE49-F238E27FC236}">
+                <a16:creationId xmlns:a16="http://schemas.microsoft.com/office/drawing/2014/main" id="{383AC498-1814-4E4C-92E2-7B9753E05B60}"/>
+              </a:ext>
+            </a:extLst>
+          </p:cNvPr>
+          <p:cNvPicPr>
+            <a:picLocks noChangeAspect="1" noChangeArrowheads="1"/>
+          </p:cNvPicPr>
+          <p:nvPr/>
+        </p:nvPicPr>
+        <p:blipFill>
+          <a:blip r:embed="rId5" cstate="print">
+            <a:extLst>
+              <a:ext uri="{28A0092B-C50C-407E-A947-70E740481C1C}">
+                <a14:useLocalDpi xmlns:a14="http://schemas.microsoft.com/office/drawing/2010/main" val="0"/>
+              </a:ext>
+            </a:extLst>
+          </a:blip>
+          <a:srcRect/>
+          <a:stretch>
+            <a:fillRect/>
+          </a:stretch>
+        </p:blipFill>
+        <p:spPr bwMode="auto">
+          <a:xfrm>
+            <a:off x="6265482" y="5304866"/>
+            <a:ext cx="823623" cy="973056"/>
+          </a:xfrm>
+          <a:prstGeom prst="rect">
+            <a:avLst/>
+          </a:prstGeom>
+          <a:noFill/>
+          <a:extLst>
+            <a:ext uri="{909E8E84-426E-40DD-AFC4-6F175D3DCCD1}">
+              <a14:hiddenFill xmlns:a14="http://schemas.microsoft.com/office/drawing/2010/main">
+                <a:solidFill>
+                  <a:srgbClr val="FFFFFF"/>
+                </a:solidFill>
+              </a14:hiddenFill>
+            </a:ext>
+          </a:extLst>
+        </p:spPr>
+      </p:pic>
+      <p:sp>
+        <p:nvSpPr>
+          <p:cNvPr id="50" name="吹き出し: 角を丸めた四角形 49">
+            <a:extLst>
+              <a:ext uri="{FF2B5EF4-FFF2-40B4-BE49-F238E27FC236}">
+                <a16:creationId xmlns:a16="http://schemas.microsoft.com/office/drawing/2014/main" id="{52433833-370B-4A30-AE62-CD4C0FF4EAA8}"/>
+              </a:ext>
+            </a:extLst>
+          </p:cNvPr>
+          <p:cNvSpPr/>
+          <p:nvPr/>
+        </p:nvSpPr>
+        <p:spPr>
+          <a:xfrm>
+            <a:off x="7322470" y="5536459"/>
+            <a:ext cx="1015414" cy="670359"/>
+          </a:xfrm>
+          <a:prstGeom prst="wedgeRoundRectCallout">
+            <a:avLst>
+              <a:gd name="adj1" fmla="val -70243"/>
+              <a:gd name="adj2" fmla="val 14456"/>
+              <a:gd name="adj3" fmla="val 16667"/>
+            </a:avLst>
+          </a:prstGeom>
+          <a:solidFill>
+            <a:schemeClr val="bg1"/>
+          </a:solidFill>
+          <a:ln w="12700"/>
+        </p:spPr>
+        <p:style>
+          <a:lnRef idx="2">
+            <a:schemeClr val="accent1">
+              <a:shade val="50000"/>
+            </a:schemeClr>
+          </a:lnRef>
+          <a:fillRef idx="1">
+            <a:schemeClr val="accent1"/>
+          </a:fillRef>
+          <a:effectRef idx="0">
+            <a:schemeClr val="accent1"/>
+          </a:effectRef>
+          <a:fontRef idx="minor">
+            <a:schemeClr val="lt1"/>
+          </a:fontRef>
+        </p:style>
+        <p:txBody>
+          <a:bodyPr rtlCol="0" anchor="ctr"/>
+          <a:lstStyle/>
+          <a:p>
+            <a:r>
+              <a:rPr kumimoji="1" lang="ja-JP" altLang="en-US" sz="1200" dirty="0">
+                <a:solidFill>
+                  <a:schemeClr val="tx1"/>
+                </a:solidFill>
+              </a:rPr>
+              <a:t>なるほど！</a:t>
+            </a:r>
+          </a:p>
+        </p:txBody>
+      </p:sp>
+      <p:sp>
+        <p:nvSpPr>
+          <p:cNvPr id="51" name="正方形/長方形 50">
+            <a:extLst>
+              <a:ext uri="{FF2B5EF4-FFF2-40B4-BE49-F238E27FC236}">
+                <a16:creationId xmlns:a16="http://schemas.microsoft.com/office/drawing/2014/main" id="{E98D7D2B-0E9E-4D75-9BAD-ADAF4A5E1E35}"/>
+              </a:ext>
+            </a:extLst>
+          </p:cNvPr>
+          <p:cNvSpPr/>
+          <p:nvPr/>
+        </p:nvSpPr>
+        <p:spPr>
+          <a:xfrm>
+            <a:off x="4338761" y="4473648"/>
+            <a:ext cx="586940" cy="214688"/>
           </a:xfrm>
           <a:prstGeom prst="rect">
             <a:avLst/>
@@ -22685,30 +23831,768 @@
           <a:p>
             <a:pPr algn="ctr"/>
             <a:r>
-              <a:rPr kumimoji="1" lang="en-US" altLang="ja-JP" sz="1200" dirty="0">
+              <a:rPr kumimoji="1" lang="ja-JP" altLang="en-US" sz="1000" dirty="0">
                 <a:solidFill>
                   <a:schemeClr val="bg1"/>
                 </a:solidFill>
               </a:rPr>
-              <a:t>AI</a:t>
-            </a:r>
-            <a:r>
-              <a:rPr kumimoji="1" lang="ja-JP" altLang="en-US" sz="1200" dirty="0">
-                <a:solidFill>
-                  <a:schemeClr val="bg1"/>
-                </a:solidFill>
-              </a:rPr>
-              <a:t>モデル</a:t>
+              <a:t>学習済</a:t>
             </a:r>
           </a:p>
         </p:txBody>
       </p:sp>
       <p:sp>
         <p:nvSpPr>
-          <p:cNvPr id="53" name="右中かっこ 52">
+          <p:cNvPr id="54" name="テキスト ボックス 53">
             <a:extLst>
               <a:ext uri="{FF2B5EF4-FFF2-40B4-BE49-F238E27FC236}">
-                <a16:creationId xmlns:a16="http://schemas.microsoft.com/office/drawing/2014/main" id="{9A13D7EF-81D0-4D34-BF5F-C6454BB9CF41}"/>
+                <a16:creationId xmlns:a16="http://schemas.microsoft.com/office/drawing/2014/main" id="{E21AF6B0-E830-4181-81D2-BCCF48077F98}"/>
+              </a:ext>
+            </a:extLst>
+          </p:cNvPr>
+          <p:cNvSpPr txBox="1"/>
+          <p:nvPr/>
+        </p:nvSpPr>
+        <p:spPr>
+          <a:xfrm>
+            <a:off x="5719124" y="4988107"/>
+            <a:ext cx="2508384" cy="307777"/>
+          </a:xfrm>
+          <a:prstGeom prst="rect">
+            <a:avLst/>
+          </a:prstGeom>
+          <a:noFill/>
+        </p:spPr>
+        <p:txBody>
+          <a:bodyPr wrap="square">
+            <a:spAutoFit/>
+          </a:bodyPr>
+          <a:lstStyle/>
+          <a:p>
+            <a:r>
+              <a:rPr lang="ja-JP" altLang="en-US" sz="1400" dirty="0"/>
+              <a:t>変換（影響度を計算）</a:t>
+            </a:r>
+          </a:p>
+        </p:txBody>
+      </p:sp>
+      <p:sp>
+        <p:nvSpPr>
+          <p:cNvPr id="61" name="テキスト ボックス 60">
+            <a:extLst>
+              <a:ext uri="{FF2B5EF4-FFF2-40B4-BE49-F238E27FC236}">
+                <a16:creationId xmlns:a16="http://schemas.microsoft.com/office/drawing/2014/main" id="{68B74B64-64B8-4329-BBC9-5812CD16296B}"/>
+              </a:ext>
+            </a:extLst>
+          </p:cNvPr>
+          <p:cNvSpPr txBox="1"/>
+          <p:nvPr/>
+        </p:nvSpPr>
+        <p:spPr>
+          <a:xfrm>
+            <a:off x="8191500" y="1970139"/>
+            <a:ext cx="3429000" cy="523220"/>
+          </a:xfrm>
+          <a:prstGeom prst="rect">
+            <a:avLst/>
+          </a:prstGeom>
+          <a:noFill/>
+        </p:spPr>
+        <p:txBody>
+          <a:bodyPr wrap="square" rtlCol="0">
+            <a:spAutoFit/>
+          </a:bodyPr>
+          <a:lstStyle/>
+          <a:p>
+            <a:r>
+              <a:rPr kumimoji="1" lang="ja-JP" altLang="en-US" sz="1400" b="1" dirty="0"/>
+              <a:t>実施事項）</a:t>
+            </a:r>
+            <a:r>
+              <a:rPr kumimoji="1" lang="ja-JP" altLang="en-US" sz="1400" dirty="0"/>
+              <a:t>計算した影響度をヒートマップで表示する</a:t>
+            </a:r>
+          </a:p>
+        </p:txBody>
+      </p:sp>
+    </p:spTree>
+    <p:extLst>
+      <p:ext uri="{BB962C8B-B14F-4D97-AF65-F5344CB8AC3E}">
+        <p14:creationId xmlns:p14="http://schemas.microsoft.com/office/powerpoint/2010/main" val="2908445968"/>
+      </p:ext>
+    </p:extLst>
+  </p:cSld>
+  <p:clrMapOvr>
+    <a:masterClrMapping/>
+  </p:clrMapOvr>
+</p:sld>
+</file>
+
+<file path=ppt/slides/slide3.xml><?xml version="1.0" encoding="utf-8"?>
+<p:sld xmlns:a="http://schemas.openxmlformats.org/drawingml/2006/main" xmlns:r="http://schemas.openxmlformats.org/officeDocument/2006/relationships" xmlns:p="http://schemas.openxmlformats.org/presentationml/2006/main">
+  <p:cSld>
+    <p:spTree>
+      <p:nvGrpSpPr>
+        <p:cNvPr id="1" name=""/>
+        <p:cNvGrpSpPr/>
+        <p:nvPr/>
+      </p:nvGrpSpPr>
+      <p:grpSpPr>
+        <a:xfrm>
+          <a:off x="0" y="0"/>
+          <a:ext cx="0" cy="0"/>
+          <a:chOff x="0" y="0"/>
+          <a:chExt cx="0" cy="0"/>
+        </a:xfrm>
+      </p:grpSpPr>
+      <p:sp>
+        <p:nvSpPr>
+          <p:cNvPr id="2" name="テキスト プレースホルダー 1">
+            <a:extLst>
+              <a:ext uri="{FF2B5EF4-FFF2-40B4-BE49-F238E27FC236}">
+                <a16:creationId xmlns:a16="http://schemas.microsoft.com/office/drawing/2014/main" id="{FC35E170-5441-4916-9A21-418E389ADF91}"/>
+              </a:ext>
+            </a:extLst>
+          </p:cNvPr>
+          <p:cNvSpPr>
+            <a:spLocks noGrp="1"/>
+          </p:cNvSpPr>
+          <p:nvPr>
+            <p:ph type="body" sz="quarter" idx="18"/>
+          </p:nvPr>
+        </p:nvSpPr>
+        <p:spPr>
+          <a:xfrm>
+            <a:off x="443077" y="767396"/>
+            <a:ext cx="11305846" cy="5637600"/>
+          </a:xfrm>
+        </p:spPr>
+        <p:txBody>
+          <a:bodyPr/>
+          <a:lstStyle/>
+          <a:p>
+            <a:r>
+              <a:rPr kumimoji="1" lang="ja-JP" altLang="en-US" sz="1800" b="0" dirty="0"/>
+              <a:t>今回作成したヒートマップ（イメージ）とその意味合いは以下の通りです</a:t>
+            </a:r>
+          </a:p>
+          <a:p>
+            <a:endParaRPr kumimoji="1" lang="ja-JP" altLang="en-US" sz="1800" b="0" dirty="0"/>
+          </a:p>
+        </p:txBody>
+      </p:sp>
+      <p:sp>
+        <p:nvSpPr>
+          <p:cNvPr id="3" name="テキスト プレースホルダー 2">
+            <a:extLst>
+              <a:ext uri="{FF2B5EF4-FFF2-40B4-BE49-F238E27FC236}">
+                <a16:creationId xmlns:a16="http://schemas.microsoft.com/office/drawing/2014/main" id="{F3B54C24-6F65-4819-8E5A-1502D7403CF7}"/>
+              </a:ext>
+            </a:extLst>
+          </p:cNvPr>
+          <p:cNvSpPr>
+            <a:spLocks noGrp="1"/>
+          </p:cNvSpPr>
+          <p:nvPr>
+            <p:ph type="body" sz="quarter" idx="20"/>
+          </p:nvPr>
+        </p:nvSpPr>
+        <p:spPr/>
+        <p:txBody>
+          <a:bodyPr/>
+          <a:lstStyle/>
+          <a:p>
+            <a:r>
+              <a:rPr lang="en-US" altLang="ja-JP" sz="2400" dirty="0"/>
+              <a:t>AI</a:t>
+            </a:r>
+            <a:r>
+              <a:rPr lang="ja-JP" altLang="en-US" sz="2400" dirty="0"/>
+              <a:t>在庫適正化画面を実現するステップ（詳細は別ページに記載）</a:t>
+            </a:r>
+            <a:endParaRPr lang="en-US" altLang="ja-JP" dirty="0"/>
+          </a:p>
+        </p:txBody>
+      </p:sp>
+      <p:sp>
+        <p:nvSpPr>
+          <p:cNvPr id="4" name="日付プレースホルダー 3">
+            <a:extLst>
+              <a:ext uri="{FF2B5EF4-FFF2-40B4-BE49-F238E27FC236}">
+                <a16:creationId xmlns:a16="http://schemas.microsoft.com/office/drawing/2014/main" id="{F502FA29-3C1A-4468-973B-1AA197BE0A0D}"/>
+              </a:ext>
+            </a:extLst>
+          </p:cNvPr>
+          <p:cNvSpPr>
+            <a:spLocks noGrp="1"/>
+          </p:cNvSpPr>
+          <p:nvPr>
+            <p:ph type="dt" sz="half" idx="19"/>
+          </p:nvPr>
+        </p:nvSpPr>
+        <p:spPr/>
+        <p:txBody>
+          <a:bodyPr/>
+          <a:lstStyle/>
+          <a:p>
+            <a:fld id="{FCAFAC13-DB77-42F2-BE26-45BA5532FD50}" type="datetime4">
+              <a:rPr lang="en-US" altLang="ja-JP" smtClean="0"/>
+              <a:pPr/>
+              <a:t>November 23, 2023</a:t>
+            </a:fld>
+            <a:endParaRPr lang="en-US" dirty="0"/>
+          </a:p>
+        </p:txBody>
+      </p:sp>
+      <p:pic>
+        <p:nvPicPr>
+          <p:cNvPr id="5" name="図 4" descr="kari_SHAP.png">
+            <a:extLst>
+              <a:ext uri="{FF2B5EF4-FFF2-40B4-BE49-F238E27FC236}">
+                <a16:creationId xmlns:a16="http://schemas.microsoft.com/office/drawing/2014/main" id="{474E704E-08A9-437F-9751-37E5542F79C7}"/>
+              </a:ext>
+            </a:extLst>
+          </p:cNvPr>
+          <p:cNvPicPr>
+            <a:picLocks noChangeAspect="1"/>
+          </p:cNvPicPr>
+          <p:nvPr/>
+        </p:nvPicPr>
+        <p:blipFill rotWithShape="1">
+          <a:blip r:embed="rId2" cstate="print">
+            <a:extLst>
+              <a:ext uri="{28A0092B-C50C-407E-A947-70E740481C1C}">
+                <a14:useLocalDpi xmlns:a14="http://schemas.microsoft.com/office/drawing/2010/main" val="0"/>
+              </a:ext>
+            </a:extLst>
+          </a:blip>
+          <a:srcRect l="9662" t="11019" r="62125" b="5261"/>
+          <a:stretch/>
+        </p:blipFill>
+        <p:spPr>
+          <a:xfrm>
+            <a:off x="841632" y="1872989"/>
+            <a:ext cx="2184800" cy="4051982"/>
+          </a:xfrm>
+          <a:prstGeom prst="rect">
+            <a:avLst/>
+          </a:prstGeom>
+          <a:ln>
+            <a:noFill/>
+          </a:ln>
+        </p:spPr>
+      </p:pic>
+      <p:sp>
+        <p:nvSpPr>
+          <p:cNvPr id="9" name="テキスト ボックス 8">
+            <a:extLst>
+              <a:ext uri="{FF2B5EF4-FFF2-40B4-BE49-F238E27FC236}">
+                <a16:creationId xmlns:a16="http://schemas.microsoft.com/office/drawing/2014/main" id="{748343BE-0B22-4457-88E9-2077BEA102E3}"/>
+              </a:ext>
+            </a:extLst>
+          </p:cNvPr>
+          <p:cNvSpPr txBox="1"/>
+          <p:nvPr/>
+        </p:nvSpPr>
+        <p:spPr>
+          <a:xfrm>
+            <a:off x="478430" y="3733710"/>
+            <a:ext cx="400110" cy="451406"/>
+          </a:xfrm>
+          <a:prstGeom prst="rect">
+            <a:avLst/>
+          </a:prstGeom>
+          <a:noFill/>
+        </p:spPr>
+        <p:txBody>
+          <a:bodyPr vert="eaVert" wrap="none" rtlCol="0">
+            <a:spAutoFit/>
+          </a:bodyPr>
+          <a:lstStyle/>
+          <a:p>
+            <a:r>
+              <a:rPr kumimoji="1" lang="ja-JP" altLang="en-US" sz="1400" dirty="0"/>
+              <a:t>品番</a:t>
+            </a:r>
+          </a:p>
+        </p:txBody>
+      </p:sp>
+      <p:sp>
+        <p:nvSpPr>
+          <p:cNvPr id="10" name="テキスト ボックス 9">
+            <a:extLst>
+              <a:ext uri="{FF2B5EF4-FFF2-40B4-BE49-F238E27FC236}">
+                <a16:creationId xmlns:a16="http://schemas.microsoft.com/office/drawing/2014/main" id="{E677B9B7-8A9B-45D9-81E8-BCBAE143B2E3}"/>
+              </a:ext>
+            </a:extLst>
+          </p:cNvPr>
+          <p:cNvSpPr txBox="1"/>
+          <p:nvPr/>
+        </p:nvSpPr>
+        <p:spPr>
+          <a:xfrm>
+            <a:off x="584944" y="5974546"/>
+            <a:ext cx="2698175" cy="307777"/>
+          </a:xfrm>
+          <a:prstGeom prst="rect">
+            <a:avLst/>
+          </a:prstGeom>
+          <a:noFill/>
+        </p:spPr>
+        <p:txBody>
+          <a:bodyPr wrap="none" rtlCol="0">
+            <a:spAutoFit/>
+          </a:bodyPr>
+          <a:lstStyle/>
+          <a:p>
+            <a:r>
+              <a:rPr kumimoji="1" lang="ja-JP" altLang="en-US" sz="1400" dirty="0"/>
+              <a:t>影響する因子（一部だけ表示）</a:t>
+            </a:r>
+          </a:p>
+        </p:txBody>
+      </p:sp>
+      <p:sp>
+        <p:nvSpPr>
+          <p:cNvPr id="15" name="テキスト ボックス 14">
+            <a:extLst>
+              <a:ext uri="{FF2B5EF4-FFF2-40B4-BE49-F238E27FC236}">
+                <a16:creationId xmlns:a16="http://schemas.microsoft.com/office/drawing/2014/main" id="{123B540F-B471-4C45-9B84-2B9A1351AD3B}"/>
+              </a:ext>
+            </a:extLst>
+          </p:cNvPr>
+          <p:cNvSpPr txBox="1"/>
+          <p:nvPr/>
+        </p:nvSpPr>
+        <p:spPr>
+          <a:xfrm>
+            <a:off x="3363209" y="1856273"/>
+            <a:ext cx="8314145" cy="3754874"/>
+          </a:xfrm>
+          <a:prstGeom prst="rect">
+            <a:avLst/>
+          </a:prstGeom>
+          <a:noFill/>
+        </p:spPr>
+        <p:txBody>
+          <a:bodyPr wrap="square" rtlCol="0">
+            <a:spAutoFit/>
+          </a:bodyPr>
+          <a:lstStyle/>
+          <a:p>
+            <a:r>
+              <a:rPr kumimoji="1" lang="ja-JP" altLang="en-US" sz="1400" b="1" dirty="0"/>
+              <a:t>■色の濃さ</a:t>
+            </a:r>
+            <a:endParaRPr kumimoji="1" lang="en-US" altLang="ja-JP" sz="1400" b="1" dirty="0"/>
+          </a:p>
+          <a:p>
+            <a:r>
+              <a:rPr lang="ja-JP" altLang="en-US" sz="1400" dirty="0"/>
+              <a:t>影響度の大きさを表しています</a:t>
+            </a:r>
+            <a:endParaRPr lang="en-US" altLang="ja-JP" sz="1400" dirty="0"/>
+          </a:p>
+          <a:p>
+            <a:endParaRPr kumimoji="1" lang="en-US" altLang="ja-JP" sz="1400" dirty="0"/>
+          </a:p>
+          <a:p>
+            <a:r>
+              <a:rPr lang="ja-JP" altLang="en-US" sz="1400" b="1" dirty="0"/>
+              <a:t>■色</a:t>
+            </a:r>
+            <a:endParaRPr lang="en-US" altLang="ja-JP" sz="1400" b="1" dirty="0"/>
+          </a:p>
+          <a:p>
+            <a:r>
+              <a:rPr lang="ja-JP" altLang="en-US" sz="1400" dirty="0"/>
+              <a:t>影響の向き（符号）</a:t>
+            </a:r>
+            <a:r>
+              <a:rPr kumimoji="1" lang="ja-JP" altLang="en-US" sz="1400" dirty="0"/>
+              <a:t>を表しています</a:t>
+            </a:r>
+            <a:endParaRPr kumimoji="1" lang="en-US" altLang="ja-JP" sz="1400" dirty="0"/>
+          </a:p>
+          <a:p>
+            <a:r>
+              <a:rPr kumimoji="1" lang="ja-JP" altLang="en-US" sz="1400" dirty="0">
+                <a:solidFill>
+                  <a:srgbClr val="FF0000"/>
+                </a:solidFill>
+              </a:rPr>
+              <a:t>赤色</a:t>
+            </a:r>
+            <a:r>
+              <a:rPr kumimoji="1" lang="ja-JP" altLang="en-US" sz="1400" dirty="0"/>
+              <a:t>は、</a:t>
+            </a:r>
+            <a:r>
+              <a:rPr kumimoji="1" lang="ja-JP" altLang="en-US" sz="1400" dirty="0">
+                <a:solidFill>
+                  <a:srgbClr val="FF0000"/>
+                </a:solidFill>
+              </a:rPr>
+              <a:t>正の影響</a:t>
+            </a:r>
+            <a:r>
+              <a:rPr kumimoji="1" lang="ja-JP" altLang="en-US" sz="1400" dirty="0"/>
+              <a:t>（発見する要素の値を</a:t>
+            </a:r>
+            <a:r>
+              <a:rPr kumimoji="1" lang="ja-JP" altLang="en-US" sz="1400" dirty="0">
+                <a:solidFill>
+                  <a:srgbClr val="FF0000"/>
+                </a:solidFill>
+              </a:rPr>
+              <a:t>増加方向に引き上げる影響）</a:t>
+            </a:r>
+            <a:endParaRPr kumimoji="1" lang="en-US" altLang="ja-JP" sz="1400" dirty="0">
+              <a:solidFill>
+                <a:srgbClr val="FF0000"/>
+              </a:solidFill>
+            </a:endParaRPr>
+          </a:p>
+          <a:p>
+            <a:r>
+              <a:rPr lang="ja-JP" altLang="en-US" sz="1400" dirty="0">
+                <a:solidFill>
+                  <a:schemeClr val="accent1">
+                    <a:lumMod val="60000"/>
+                    <a:lumOff val="40000"/>
+                  </a:schemeClr>
+                </a:solidFill>
+              </a:rPr>
+              <a:t>青色</a:t>
+            </a:r>
+            <a:r>
+              <a:rPr lang="ja-JP" altLang="en-US" sz="1400" dirty="0"/>
+              <a:t>は、</a:t>
+            </a:r>
+            <a:r>
+              <a:rPr lang="ja-JP" altLang="en-US" sz="1400" dirty="0">
+                <a:solidFill>
+                  <a:schemeClr val="accent1">
+                    <a:lumMod val="60000"/>
+                    <a:lumOff val="40000"/>
+                  </a:schemeClr>
+                </a:solidFill>
+              </a:rPr>
+              <a:t>負の影響</a:t>
+            </a:r>
+            <a:r>
+              <a:rPr lang="ja-JP" altLang="en-US" sz="1400" dirty="0"/>
+              <a:t>（発見する要素の値を</a:t>
+            </a:r>
+            <a:r>
+              <a:rPr lang="ja-JP" altLang="en-US" sz="1400" dirty="0">
+                <a:solidFill>
+                  <a:schemeClr val="accent1">
+                    <a:lumMod val="60000"/>
+                    <a:lumOff val="40000"/>
+                  </a:schemeClr>
+                </a:solidFill>
+              </a:rPr>
+              <a:t>減少方向に引き下げる影響）</a:t>
+            </a:r>
+            <a:endParaRPr lang="en-US" altLang="ja-JP" sz="1400" dirty="0">
+              <a:solidFill>
+                <a:schemeClr val="accent1">
+                  <a:lumMod val="60000"/>
+                  <a:lumOff val="40000"/>
+                </a:schemeClr>
+              </a:solidFill>
+            </a:endParaRPr>
+          </a:p>
+          <a:p>
+            <a:endParaRPr kumimoji="1" lang="en-US" altLang="ja-JP" sz="1400" dirty="0">
+              <a:solidFill>
+                <a:schemeClr val="accent1">
+                  <a:lumMod val="60000"/>
+                  <a:lumOff val="40000"/>
+                </a:schemeClr>
+              </a:solidFill>
+            </a:endParaRPr>
+          </a:p>
+          <a:p>
+            <a:r>
+              <a:rPr kumimoji="1" lang="ja-JP" altLang="en-US" sz="1400" b="1" dirty="0"/>
+              <a:t>■影響度の大きさ（例を挙げて説明します）</a:t>
+            </a:r>
+            <a:endParaRPr kumimoji="1" lang="en-US" altLang="ja-JP" sz="1400" b="1" dirty="0"/>
+          </a:p>
+          <a:p>
+            <a:r>
+              <a:rPr lang="ja-JP" altLang="en-US" sz="1400" dirty="0"/>
+              <a:t>➀基準が</a:t>
+            </a:r>
+            <a:r>
+              <a:rPr lang="en-US" altLang="ja-JP" sz="1400" dirty="0"/>
+              <a:t>9.095</a:t>
+            </a:r>
+            <a:r>
+              <a:rPr lang="ja-JP" altLang="en-US" sz="1400" dirty="0"/>
+              <a:t>という学習済みのモデルがあります（何も入力情報がないと</a:t>
+            </a:r>
+            <a:r>
+              <a:rPr lang="en-US" altLang="ja-JP" sz="1400" dirty="0"/>
+              <a:t>9.095</a:t>
+            </a:r>
+            <a:r>
+              <a:rPr lang="ja-JP" altLang="en-US" sz="1400" dirty="0"/>
+              <a:t>を出力するモデル）</a:t>
+            </a:r>
+            <a:endParaRPr lang="en-US" altLang="ja-JP" sz="1400" dirty="0"/>
+          </a:p>
+          <a:p>
+            <a:r>
+              <a:rPr lang="ja-JP" altLang="en-US" sz="1400" dirty="0"/>
+              <a:t>➁このモデルはある入力の組み合わせ</a:t>
+            </a:r>
+            <a:r>
+              <a:rPr lang="en-US" altLang="ja-JP" sz="1400" dirty="0"/>
+              <a:t>X</a:t>
+            </a:r>
+            <a:r>
+              <a:rPr lang="ja-JP" altLang="en-US" sz="1400" dirty="0"/>
+              <a:t>を与えると出力が</a:t>
+            </a:r>
+            <a:r>
+              <a:rPr lang="en-US" altLang="ja-JP" sz="1400" dirty="0"/>
+              <a:t>4.05</a:t>
+            </a:r>
+            <a:r>
+              <a:rPr lang="ja-JP" altLang="en-US" sz="1400" dirty="0"/>
+              <a:t>になります</a:t>
+            </a:r>
+            <a:endParaRPr lang="en-US" altLang="ja-JP" sz="1400" dirty="0"/>
+          </a:p>
+          <a:p>
+            <a:r>
+              <a:rPr kumimoji="1" lang="ja-JP" altLang="en-US" sz="1400" dirty="0"/>
+              <a:t>➂差分</a:t>
+            </a:r>
+            <a:r>
+              <a:rPr kumimoji="1" lang="en-US" altLang="ja-JP" sz="1400" dirty="0"/>
+              <a:t>5.045</a:t>
+            </a:r>
+            <a:r>
+              <a:rPr lang="ja-JP" altLang="en-US" sz="1400" dirty="0"/>
+              <a:t>に対してそれぞれの入力した変数が</a:t>
+            </a:r>
+            <a:r>
+              <a:rPr kumimoji="1" lang="ja-JP" altLang="en-US" sz="1400" dirty="0"/>
+              <a:t>どのように貢献しているかを計算したものが影響度の大きさです。</a:t>
+            </a:r>
+            <a:endParaRPr kumimoji="1" lang="en-US" altLang="ja-JP" sz="1400" dirty="0"/>
+          </a:p>
+          <a:p>
+            <a:endParaRPr lang="en-US" altLang="ja-JP" sz="1400" dirty="0"/>
+          </a:p>
+          <a:p>
+            <a:endParaRPr lang="en-US" altLang="ja-JP" sz="1400" dirty="0"/>
+          </a:p>
+          <a:p>
+            <a:endParaRPr lang="en-US" altLang="ja-JP" sz="1400" dirty="0"/>
+          </a:p>
+          <a:p>
+            <a:endParaRPr kumimoji="1" lang="ja-JP" altLang="en-US" sz="1400" dirty="0"/>
+          </a:p>
+        </p:txBody>
+      </p:sp>
+      <p:pic>
+        <p:nvPicPr>
+          <p:cNvPr id="16" name="図 15" descr="スクリーンショット 2023-11-21 8.49.51.png">
+            <a:extLst>
+              <a:ext uri="{FF2B5EF4-FFF2-40B4-BE49-F238E27FC236}">
+                <a16:creationId xmlns:a16="http://schemas.microsoft.com/office/drawing/2014/main" id="{E7CDDF2D-C3F3-44D9-A0A4-DF765FA5896C}"/>
+              </a:ext>
+            </a:extLst>
+          </p:cNvPr>
+          <p:cNvPicPr>
+            <a:picLocks noChangeAspect="1"/>
+          </p:cNvPicPr>
+          <p:nvPr/>
+        </p:nvPicPr>
+        <p:blipFill rotWithShape="1">
+          <a:blip r:embed="rId3">
+            <a:extLst>
+              <a:ext uri="{28A0092B-C50C-407E-A947-70E740481C1C}">
+                <a14:useLocalDpi xmlns:a14="http://schemas.microsoft.com/office/drawing/2010/main" val="0"/>
+              </a:ext>
+            </a:extLst>
+          </a:blip>
+          <a:srcRect r="5464"/>
+          <a:stretch/>
+        </p:blipFill>
+        <p:spPr>
+          <a:xfrm>
+            <a:off x="3495542" y="4934722"/>
+            <a:ext cx="7920715" cy="964433"/>
+          </a:xfrm>
+          <a:prstGeom prst="rect">
+            <a:avLst/>
+          </a:prstGeom>
+          <a:ln>
+            <a:noFill/>
+          </a:ln>
+        </p:spPr>
+      </p:pic>
+      <p:cxnSp>
+        <p:nvCxnSpPr>
+          <p:cNvPr id="29" name="直線矢印コネクタ 28">
+            <a:extLst>
+              <a:ext uri="{FF2B5EF4-FFF2-40B4-BE49-F238E27FC236}">
+                <a16:creationId xmlns:a16="http://schemas.microsoft.com/office/drawing/2014/main" id="{FA36855A-22FF-472F-8756-BA0267AF4C66}"/>
+              </a:ext>
+            </a:extLst>
+          </p:cNvPr>
+          <p:cNvCxnSpPr>
+            <a:cxnSpLocks/>
+          </p:cNvCxnSpPr>
+          <p:nvPr/>
+        </p:nvCxnSpPr>
+        <p:spPr>
+          <a:xfrm>
+            <a:off x="5555512" y="5539563"/>
+            <a:ext cx="1041990" cy="0"/>
+          </a:xfrm>
+          <a:prstGeom prst="straightConnector1">
+            <a:avLst/>
+          </a:prstGeom>
+          <a:ln>
+            <a:headEnd type="triangle" w="med" len="med"/>
+            <a:tailEnd type="triangle" w="med" len="med"/>
+          </a:ln>
+        </p:spPr>
+        <p:style>
+          <a:lnRef idx="1">
+            <a:schemeClr val="accent1"/>
+          </a:lnRef>
+          <a:fillRef idx="0">
+            <a:schemeClr val="accent1"/>
+          </a:fillRef>
+          <a:effectRef idx="0">
+            <a:schemeClr val="accent1"/>
+          </a:effectRef>
+          <a:fontRef idx="minor">
+            <a:schemeClr val="tx1"/>
+          </a:fontRef>
+        </p:style>
+      </p:cxnSp>
+      <p:sp>
+        <p:nvSpPr>
+          <p:cNvPr id="33" name="テキスト ボックス 32">
+            <a:extLst>
+              <a:ext uri="{FF2B5EF4-FFF2-40B4-BE49-F238E27FC236}">
+                <a16:creationId xmlns:a16="http://schemas.microsoft.com/office/drawing/2014/main" id="{B86E97FF-D9C7-42E4-8281-94FD784EF6C3}"/>
+              </a:ext>
+            </a:extLst>
+          </p:cNvPr>
+          <p:cNvSpPr txBox="1"/>
+          <p:nvPr/>
+        </p:nvSpPr>
+        <p:spPr>
+          <a:xfrm>
+            <a:off x="6368902" y="6003808"/>
+            <a:ext cx="2604959" cy="276999"/>
+          </a:xfrm>
+          <a:prstGeom prst="rect">
+            <a:avLst/>
+          </a:prstGeom>
+          <a:noFill/>
+        </p:spPr>
+        <p:txBody>
+          <a:bodyPr wrap="square">
+            <a:spAutoFit/>
+          </a:bodyPr>
+          <a:lstStyle/>
+          <a:p>
+            <a:r>
+              <a:rPr kumimoji="1" lang="ja-JP" altLang="en-US" sz="1200" dirty="0"/>
+              <a:t>帯の長さが影響度の大きさに対応</a:t>
+            </a:r>
+            <a:endParaRPr lang="ja-JP" altLang="en-US" sz="1200" dirty="0"/>
+          </a:p>
+        </p:txBody>
+      </p:sp>
+      <p:cxnSp>
+        <p:nvCxnSpPr>
+          <p:cNvPr id="35" name="直線コネクタ 34">
+            <a:extLst>
+              <a:ext uri="{FF2B5EF4-FFF2-40B4-BE49-F238E27FC236}">
+                <a16:creationId xmlns:a16="http://schemas.microsoft.com/office/drawing/2014/main" id="{B4A4577C-9D9A-4BD8-B4CC-D3B2121A1D70}"/>
+              </a:ext>
+            </a:extLst>
+          </p:cNvPr>
+          <p:cNvCxnSpPr/>
+          <p:nvPr/>
+        </p:nvCxnSpPr>
+        <p:spPr>
+          <a:xfrm>
+            <a:off x="6368902" y="5539563"/>
+            <a:ext cx="334926" cy="474013"/>
+          </a:xfrm>
+          <a:prstGeom prst="line">
+            <a:avLst/>
+          </a:prstGeom>
+        </p:spPr>
+        <p:style>
+          <a:lnRef idx="1">
+            <a:schemeClr val="accent1"/>
+          </a:lnRef>
+          <a:fillRef idx="0">
+            <a:schemeClr val="accent1"/>
+          </a:fillRef>
+          <a:effectRef idx="0">
+            <a:schemeClr val="accent1"/>
+          </a:effectRef>
+          <a:fontRef idx="minor">
+            <a:schemeClr val="tx1"/>
+          </a:fontRef>
+        </p:style>
+      </p:cxnSp>
+      <p:sp>
+        <p:nvSpPr>
+          <p:cNvPr id="36" name="テキスト ボックス 35">
+            <a:extLst>
+              <a:ext uri="{FF2B5EF4-FFF2-40B4-BE49-F238E27FC236}">
+                <a16:creationId xmlns:a16="http://schemas.microsoft.com/office/drawing/2014/main" id="{781D61CA-55AE-4D13-A67F-C46C35D1DF70}"/>
+              </a:ext>
+            </a:extLst>
+          </p:cNvPr>
+          <p:cNvSpPr txBox="1"/>
+          <p:nvPr/>
+        </p:nvSpPr>
+        <p:spPr>
+          <a:xfrm>
+            <a:off x="5946564" y="4703868"/>
+            <a:ext cx="2604959" cy="276999"/>
+          </a:xfrm>
+          <a:prstGeom prst="rect">
+            <a:avLst/>
+          </a:prstGeom>
+          <a:noFill/>
+        </p:spPr>
+        <p:txBody>
+          <a:bodyPr wrap="square">
+            <a:spAutoFit/>
+          </a:bodyPr>
+          <a:lstStyle/>
+          <a:p>
+            <a:r>
+              <a:rPr lang="ja-JP" altLang="en-US" sz="1200" u="sng" dirty="0"/>
+              <a:t>影響度の意味（イメージ図）</a:t>
+            </a:r>
+          </a:p>
+        </p:txBody>
+      </p:sp>
+      <p:sp>
+        <p:nvSpPr>
+          <p:cNvPr id="56" name="正方形/長方形 55">
+            <a:extLst>
+              <a:ext uri="{FF2B5EF4-FFF2-40B4-BE49-F238E27FC236}">
+                <a16:creationId xmlns:a16="http://schemas.microsoft.com/office/drawing/2014/main" id="{E2662728-9700-456B-8D87-F1433869D8D8}"/>
               </a:ext>
             </a:extLst>
           </p:cNvPr>
@@ -22717,13 +24601,846 @@
         </p:nvSpPr>
         <p:spPr>
           <a:xfrm>
-            <a:off x="1346675" y="4195972"/>
-            <a:ext cx="300587" cy="1631420"/>
+            <a:off x="560673" y="1280643"/>
+            <a:ext cx="2698175" cy="471977"/>
+          </a:xfrm>
+          <a:prstGeom prst="rect">
+            <a:avLst/>
+          </a:prstGeom>
+        </p:spPr>
+        <p:style>
+          <a:lnRef idx="2">
+            <a:schemeClr val="accent1">
+              <a:shade val="50000"/>
+            </a:schemeClr>
+          </a:lnRef>
+          <a:fillRef idx="1">
+            <a:schemeClr val="accent1"/>
+          </a:fillRef>
+          <a:effectRef idx="0">
+            <a:schemeClr val="accent1"/>
+          </a:effectRef>
+          <a:fontRef idx="minor">
+            <a:schemeClr val="lt1"/>
+          </a:fontRef>
+        </p:style>
+        <p:txBody>
+          <a:bodyPr rtlCol="0" anchor="ctr"/>
+          <a:lstStyle/>
+          <a:p>
+            <a:pPr algn="ctr"/>
+            <a:r>
+              <a:rPr kumimoji="1" lang="ja-JP" altLang="en-US" dirty="0"/>
+              <a:t>➂ヒートマップの作成</a:t>
+            </a:r>
+          </a:p>
+        </p:txBody>
+      </p:sp>
+      <p:sp>
+        <p:nvSpPr>
+          <p:cNvPr id="57" name="正方形/長方形 56">
+            <a:extLst>
+              <a:ext uri="{FF2B5EF4-FFF2-40B4-BE49-F238E27FC236}">
+                <a16:creationId xmlns:a16="http://schemas.microsoft.com/office/drawing/2014/main" id="{580A98E8-AA0A-4F88-B970-919DFCDE80DA}"/>
+              </a:ext>
+            </a:extLst>
+          </p:cNvPr>
+          <p:cNvSpPr/>
+          <p:nvPr/>
+        </p:nvSpPr>
+        <p:spPr>
+          <a:xfrm>
+            <a:off x="3363209" y="1280643"/>
+            <a:ext cx="8268118" cy="471977"/>
+          </a:xfrm>
+          <a:prstGeom prst="rect">
+            <a:avLst/>
+          </a:prstGeom>
+        </p:spPr>
+        <p:style>
+          <a:lnRef idx="2">
+            <a:schemeClr val="accent1">
+              <a:shade val="50000"/>
+            </a:schemeClr>
+          </a:lnRef>
+          <a:fillRef idx="1">
+            <a:schemeClr val="accent1"/>
+          </a:fillRef>
+          <a:effectRef idx="0">
+            <a:schemeClr val="accent1"/>
+          </a:effectRef>
+          <a:fontRef idx="minor">
+            <a:schemeClr val="lt1"/>
+          </a:fontRef>
+        </p:style>
+        <p:txBody>
+          <a:bodyPr rtlCol="0" anchor="ctr"/>
+          <a:lstStyle/>
+          <a:p>
+            <a:pPr algn="ctr"/>
+            <a:r>
+              <a:rPr kumimoji="1" lang="ja-JP" altLang="en-US" dirty="0"/>
+              <a:t>補足：ヒートマップの意味合い</a:t>
+            </a:r>
+          </a:p>
+        </p:txBody>
+      </p:sp>
+      <p:sp>
+        <p:nvSpPr>
+          <p:cNvPr id="59" name="正方形/長方形 58">
+            <a:extLst>
+              <a:ext uri="{FF2B5EF4-FFF2-40B4-BE49-F238E27FC236}">
+                <a16:creationId xmlns:a16="http://schemas.microsoft.com/office/drawing/2014/main" id="{86E84C92-6E5A-4457-BF84-39EC0B1B6C14}"/>
+              </a:ext>
+            </a:extLst>
+          </p:cNvPr>
+          <p:cNvSpPr/>
+          <p:nvPr/>
+        </p:nvSpPr>
+        <p:spPr>
+          <a:xfrm>
+            <a:off x="3363209" y="1856273"/>
+            <a:ext cx="8268118" cy="573267"/>
+          </a:xfrm>
+          <a:prstGeom prst="rect">
+            <a:avLst/>
+          </a:prstGeom>
+          <a:noFill/>
+          <a:ln w="12700"/>
+        </p:spPr>
+        <p:style>
+          <a:lnRef idx="2">
+            <a:schemeClr val="accent1">
+              <a:shade val="50000"/>
+            </a:schemeClr>
+          </a:lnRef>
+          <a:fillRef idx="1">
+            <a:schemeClr val="accent1"/>
+          </a:fillRef>
+          <a:effectRef idx="0">
+            <a:schemeClr val="accent1"/>
+          </a:effectRef>
+          <a:fontRef idx="minor">
+            <a:schemeClr val="lt1"/>
+          </a:fontRef>
+        </p:style>
+        <p:txBody>
+          <a:bodyPr rtlCol="0" anchor="ctr"/>
+          <a:lstStyle/>
+          <a:p>
+            <a:pPr algn="ctr"/>
+            <a:endParaRPr kumimoji="1" lang="ja-JP" altLang="en-US"/>
+          </a:p>
+        </p:txBody>
+      </p:sp>
+      <p:sp>
+        <p:nvSpPr>
+          <p:cNvPr id="60" name="正方形/長方形 59">
+            <a:extLst>
+              <a:ext uri="{FF2B5EF4-FFF2-40B4-BE49-F238E27FC236}">
+                <a16:creationId xmlns:a16="http://schemas.microsoft.com/office/drawing/2014/main" id="{6190836B-7C42-44F7-8EDD-F4B0F9896820}"/>
+              </a:ext>
+            </a:extLst>
+          </p:cNvPr>
+          <p:cNvSpPr/>
+          <p:nvPr/>
+        </p:nvSpPr>
+        <p:spPr>
+          <a:xfrm>
+            <a:off x="3363209" y="2480239"/>
+            <a:ext cx="8268118" cy="964433"/>
+          </a:xfrm>
+          <a:prstGeom prst="rect">
+            <a:avLst/>
+          </a:prstGeom>
+          <a:noFill/>
+          <a:ln w="12700"/>
+        </p:spPr>
+        <p:style>
+          <a:lnRef idx="2">
+            <a:schemeClr val="accent1">
+              <a:shade val="50000"/>
+            </a:schemeClr>
+          </a:lnRef>
+          <a:fillRef idx="1">
+            <a:schemeClr val="accent1"/>
+          </a:fillRef>
+          <a:effectRef idx="0">
+            <a:schemeClr val="accent1"/>
+          </a:effectRef>
+          <a:fontRef idx="minor">
+            <a:schemeClr val="lt1"/>
+          </a:fontRef>
+        </p:style>
+        <p:txBody>
+          <a:bodyPr rtlCol="0" anchor="ctr"/>
+          <a:lstStyle/>
+          <a:p>
+            <a:pPr algn="ctr"/>
+            <a:endParaRPr kumimoji="1" lang="ja-JP" altLang="en-US"/>
+          </a:p>
+        </p:txBody>
+      </p:sp>
+      <p:sp>
+        <p:nvSpPr>
+          <p:cNvPr id="61" name="正方形/長方形 60">
+            <a:extLst>
+              <a:ext uri="{FF2B5EF4-FFF2-40B4-BE49-F238E27FC236}">
+                <a16:creationId xmlns:a16="http://schemas.microsoft.com/office/drawing/2014/main" id="{D666CFBF-F009-48C2-8AC5-DA42AE37007D}"/>
+              </a:ext>
+            </a:extLst>
+          </p:cNvPr>
+          <p:cNvSpPr/>
+          <p:nvPr/>
+        </p:nvSpPr>
+        <p:spPr>
+          <a:xfrm>
+            <a:off x="3363209" y="3495371"/>
+            <a:ext cx="8268118" cy="2785436"/>
+          </a:xfrm>
+          <a:prstGeom prst="rect">
+            <a:avLst/>
+          </a:prstGeom>
+          <a:noFill/>
+          <a:ln w="12700"/>
+        </p:spPr>
+        <p:style>
+          <a:lnRef idx="2">
+            <a:schemeClr val="accent1">
+              <a:shade val="50000"/>
+            </a:schemeClr>
+          </a:lnRef>
+          <a:fillRef idx="1">
+            <a:schemeClr val="accent1"/>
+          </a:fillRef>
+          <a:effectRef idx="0">
+            <a:schemeClr val="accent1"/>
+          </a:effectRef>
+          <a:fontRef idx="minor">
+            <a:schemeClr val="lt1"/>
+          </a:fontRef>
+        </p:style>
+        <p:txBody>
+          <a:bodyPr rtlCol="0" anchor="ctr"/>
+          <a:lstStyle/>
+          <a:p>
+            <a:pPr algn="ctr"/>
+            <a:endParaRPr kumimoji="1" lang="ja-JP" altLang="en-US"/>
+          </a:p>
+        </p:txBody>
+      </p:sp>
+      <p:sp>
+        <p:nvSpPr>
+          <p:cNvPr id="64" name="吹き出し: 角を丸めた四角形 63">
+            <a:extLst>
+              <a:ext uri="{FF2B5EF4-FFF2-40B4-BE49-F238E27FC236}">
+                <a16:creationId xmlns:a16="http://schemas.microsoft.com/office/drawing/2014/main" id="{A63B4016-F2AA-4A29-A624-55B5FE098714}"/>
+              </a:ext>
+            </a:extLst>
+          </p:cNvPr>
+          <p:cNvSpPr/>
+          <p:nvPr/>
+        </p:nvSpPr>
+        <p:spPr>
+          <a:xfrm>
+            <a:off x="1156578" y="2142906"/>
+            <a:ext cx="2089035" cy="1513984"/>
+          </a:xfrm>
+          <a:prstGeom prst="wedgeRoundRectCallout">
+            <a:avLst>
+              <a:gd name="adj1" fmla="val -67369"/>
+              <a:gd name="adj2" fmla="val 47425"/>
+              <a:gd name="adj3" fmla="val 16667"/>
+            </a:avLst>
+          </a:prstGeom>
+          <a:solidFill>
+            <a:schemeClr val="bg1"/>
+          </a:solidFill>
+          <a:ln w="12700"/>
+        </p:spPr>
+        <p:style>
+          <a:lnRef idx="2">
+            <a:schemeClr val="accent1">
+              <a:shade val="50000"/>
+            </a:schemeClr>
+          </a:lnRef>
+          <a:fillRef idx="1">
+            <a:schemeClr val="accent1"/>
+          </a:fillRef>
+          <a:effectRef idx="0">
+            <a:schemeClr val="accent1"/>
+          </a:effectRef>
+          <a:fontRef idx="minor">
+            <a:schemeClr val="lt1"/>
+          </a:fontRef>
+        </p:style>
+        <p:txBody>
+          <a:bodyPr rtlCol="0" anchor="ctr"/>
+          <a:lstStyle/>
+          <a:p>
+            <a:r>
+              <a:rPr lang="ja-JP" altLang="en-US" sz="1200" b="0" dirty="0">
+                <a:solidFill>
+                  <a:schemeClr val="tx1"/>
+                </a:solidFill>
+              </a:rPr>
+              <a:t>１つ１つのデータ（１週間毎など）に対して影響度を表示すること</a:t>
+            </a:r>
+            <a:r>
+              <a:rPr lang="ja-JP" altLang="en-US" sz="1200" dirty="0">
+                <a:solidFill>
+                  <a:schemeClr val="tx1"/>
+                </a:solidFill>
+              </a:rPr>
+              <a:t>も</a:t>
+            </a:r>
+            <a:r>
+              <a:rPr lang="ja-JP" altLang="en-US" sz="1200" b="0" dirty="0">
+                <a:solidFill>
+                  <a:schemeClr val="tx1"/>
+                </a:solidFill>
+              </a:rPr>
+              <a:t>できますが、今回は生革部さんのアイデアに基づいて品番単位で集計して表示します</a:t>
+            </a:r>
+            <a:endParaRPr lang="en-US" altLang="ja-JP" sz="1200" b="0" dirty="0">
+              <a:solidFill>
+                <a:schemeClr val="tx1"/>
+              </a:solidFill>
+            </a:endParaRPr>
+          </a:p>
+        </p:txBody>
+      </p:sp>
+    </p:spTree>
+    <p:extLst>
+      <p:ext uri="{BB962C8B-B14F-4D97-AF65-F5344CB8AC3E}">
+        <p14:creationId xmlns:p14="http://schemas.microsoft.com/office/powerpoint/2010/main" val="459887197"/>
+      </p:ext>
+    </p:extLst>
+  </p:cSld>
+  <p:clrMapOvr>
+    <a:masterClrMapping/>
+  </p:clrMapOvr>
+</p:sld>
+</file>
+
+<file path=ppt/slides/slide4.xml><?xml version="1.0" encoding="utf-8"?>
+<p:sld xmlns:a="http://schemas.openxmlformats.org/drawingml/2006/main" xmlns:r="http://schemas.openxmlformats.org/officeDocument/2006/relationships" xmlns:p="http://schemas.openxmlformats.org/presentationml/2006/main">
+  <p:cSld>
+    <p:spTree>
+      <p:nvGrpSpPr>
+        <p:cNvPr id="1" name=""/>
+        <p:cNvGrpSpPr/>
+        <p:nvPr/>
+      </p:nvGrpSpPr>
+      <p:grpSpPr>
+        <a:xfrm>
+          <a:off x="0" y="0"/>
+          <a:ext cx="0" cy="0"/>
+          <a:chOff x="0" y="0"/>
+          <a:chExt cx="0" cy="0"/>
+        </a:xfrm>
+      </p:grpSpPr>
+      <p:sp>
+        <p:nvSpPr>
+          <p:cNvPr id="2" name="テキスト プレースホルダー 1">
+            <a:extLst>
+              <a:ext uri="{FF2B5EF4-FFF2-40B4-BE49-F238E27FC236}">
+                <a16:creationId xmlns:a16="http://schemas.microsoft.com/office/drawing/2014/main" id="{FCEA332B-CA26-4CFE-8516-B51C46A20CE8}"/>
+              </a:ext>
+            </a:extLst>
+          </p:cNvPr>
+          <p:cNvSpPr>
+            <a:spLocks noGrp="1"/>
+          </p:cNvSpPr>
+          <p:nvPr>
+            <p:ph type="body" sz="quarter" idx="18"/>
+          </p:nvPr>
+        </p:nvSpPr>
+        <p:spPr/>
+        <p:txBody>
+          <a:bodyPr/>
+          <a:lstStyle/>
+          <a:p>
+            <a:r>
+              <a:rPr kumimoji="1" lang="ja-JP" altLang="en-US" sz="1800" b="0" dirty="0"/>
+              <a:t>例として、</a:t>
+            </a:r>
+            <a:r>
+              <a:rPr lang="ja-JP" altLang="en-US" sz="1800" b="0" dirty="0"/>
+              <a:t>発見する要素を社内</a:t>
+            </a:r>
+            <a:r>
+              <a:rPr lang="en-US" altLang="ja-JP" sz="1800" b="0" dirty="0"/>
+              <a:t>LT/</a:t>
+            </a:r>
+            <a:r>
+              <a:rPr lang="ja-JP" altLang="en-US" sz="1800" b="0" dirty="0"/>
+              <a:t>設計値とした時の結果を以下に示します。</a:t>
+            </a:r>
+            <a:endParaRPr lang="en-US" altLang="ja-JP" sz="1800" b="0" dirty="0"/>
+          </a:p>
+          <a:p>
+            <a:endParaRPr lang="en-US" altLang="ja-JP" sz="1800" b="0" dirty="0"/>
+          </a:p>
+          <a:p>
+            <a:endParaRPr lang="en-US" altLang="ja-JP" sz="1800" b="0" dirty="0"/>
+          </a:p>
+        </p:txBody>
+      </p:sp>
+      <p:sp>
+        <p:nvSpPr>
+          <p:cNvPr id="3" name="テキスト プレースホルダー 2">
+            <a:extLst>
+              <a:ext uri="{FF2B5EF4-FFF2-40B4-BE49-F238E27FC236}">
+                <a16:creationId xmlns:a16="http://schemas.microsoft.com/office/drawing/2014/main" id="{B449A3C6-08D8-4644-88E0-7CC16D5969FD}"/>
+              </a:ext>
+            </a:extLst>
+          </p:cNvPr>
+          <p:cNvSpPr>
+            <a:spLocks noGrp="1"/>
+          </p:cNvSpPr>
+          <p:nvPr>
+            <p:ph type="body" sz="quarter" idx="20"/>
+          </p:nvPr>
+        </p:nvSpPr>
+        <p:spPr/>
+        <p:txBody>
+          <a:bodyPr/>
+          <a:lstStyle/>
+          <a:p>
+            <a:r>
+              <a:rPr kumimoji="1" lang="ja-JP" altLang="en-US" dirty="0"/>
+              <a:t>実際の結果について（詳細結果など</a:t>
+            </a:r>
+            <a:r>
+              <a:rPr lang="ja-JP" altLang="en-US" sz="2400" dirty="0"/>
+              <a:t>は別ページに記載）</a:t>
+            </a:r>
+            <a:endParaRPr kumimoji="1" lang="ja-JP" altLang="en-US" dirty="0"/>
+          </a:p>
+        </p:txBody>
+      </p:sp>
+      <p:sp>
+        <p:nvSpPr>
+          <p:cNvPr id="4" name="日付プレースホルダー 3">
+            <a:extLst>
+              <a:ext uri="{FF2B5EF4-FFF2-40B4-BE49-F238E27FC236}">
+                <a16:creationId xmlns:a16="http://schemas.microsoft.com/office/drawing/2014/main" id="{6969A251-3BC5-4077-BEAA-CE3141861658}"/>
+              </a:ext>
+            </a:extLst>
+          </p:cNvPr>
+          <p:cNvSpPr>
+            <a:spLocks noGrp="1"/>
+          </p:cNvSpPr>
+          <p:nvPr>
+            <p:ph type="dt" sz="half" idx="19"/>
+          </p:nvPr>
+        </p:nvSpPr>
+        <p:spPr/>
+        <p:txBody>
+          <a:bodyPr/>
+          <a:lstStyle/>
+          <a:p>
+            <a:fld id="{FCAFAC13-DB77-42F2-BE26-45BA5532FD50}" type="datetime4">
+              <a:rPr lang="en-US" altLang="ja-JP" smtClean="0"/>
+              <a:pPr/>
+              <a:t>November 23, 2023</a:t>
+            </a:fld>
+            <a:endParaRPr lang="en-US" dirty="0"/>
+          </a:p>
+        </p:txBody>
+      </p:sp>
+      <p:pic>
+        <p:nvPicPr>
+          <p:cNvPr id="5" name="図 4" descr="kari_SHAP.png">
+            <a:extLst>
+              <a:ext uri="{FF2B5EF4-FFF2-40B4-BE49-F238E27FC236}">
+                <a16:creationId xmlns:a16="http://schemas.microsoft.com/office/drawing/2014/main" id="{50911117-FF06-43B6-BAD4-A2F77CC7F644}"/>
+              </a:ext>
+            </a:extLst>
+          </p:cNvPr>
+          <p:cNvPicPr>
+            <a:picLocks noChangeAspect="1"/>
+          </p:cNvPicPr>
+          <p:nvPr/>
+        </p:nvPicPr>
+        <p:blipFill rotWithShape="1">
+          <a:blip r:embed="rId2" cstate="print">
+            <a:extLst>
+              <a:ext uri="{28A0092B-C50C-407E-A947-70E740481C1C}">
+                <a14:useLocalDpi xmlns:a14="http://schemas.microsoft.com/office/drawing/2010/main" val="0"/>
+              </a:ext>
+            </a:extLst>
+          </a:blip>
+          <a:srcRect l="9662" t="11019" r="17464" b="5261"/>
+          <a:stretch/>
+        </p:blipFill>
+        <p:spPr>
+          <a:xfrm>
+            <a:off x="5518298" y="3419543"/>
+            <a:ext cx="3867002" cy="2776536"/>
+          </a:xfrm>
+          <a:prstGeom prst="rect">
+            <a:avLst/>
+          </a:prstGeom>
+        </p:spPr>
+      </p:pic>
+      <p:sp>
+        <p:nvSpPr>
+          <p:cNvPr id="35" name="正方形/長方形 34">
+            <a:extLst>
+              <a:ext uri="{FF2B5EF4-FFF2-40B4-BE49-F238E27FC236}">
+                <a16:creationId xmlns:a16="http://schemas.microsoft.com/office/drawing/2014/main" id="{289B0E03-5506-447F-A23A-D1FF4777B435}"/>
+              </a:ext>
+            </a:extLst>
+          </p:cNvPr>
+          <p:cNvSpPr/>
+          <p:nvPr/>
+        </p:nvSpPr>
+        <p:spPr>
+          <a:xfrm>
+            <a:off x="505199" y="1978262"/>
+            <a:ext cx="1877042" cy="3539430"/>
+          </a:xfrm>
+          <a:prstGeom prst="rect">
+            <a:avLst/>
+          </a:prstGeom>
+        </p:spPr>
+        <p:txBody>
+          <a:bodyPr wrap="square" numCol="1">
+            <a:spAutoFit/>
+          </a:bodyPr>
+          <a:lstStyle/>
+          <a:p>
+            <a:r>
+              <a:rPr lang="ja-JP" altLang="en-US" sz="1400" dirty="0">
+                <a:solidFill>
+                  <a:schemeClr val="accent5"/>
+                </a:solidFill>
+              </a:rPr>
+              <a:t>➀収容数</a:t>
+            </a:r>
+            <a:endParaRPr lang="en-US" altLang="ja-JP" sz="1400" dirty="0">
+              <a:solidFill>
+                <a:schemeClr val="accent5"/>
+              </a:solidFill>
+            </a:endParaRPr>
+          </a:p>
+          <a:p>
+            <a:r>
+              <a:rPr lang="ja-JP" altLang="en-US" sz="1400" dirty="0">
+                <a:solidFill>
+                  <a:schemeClr val="accent5"/>
+                </a:solidFill>
+              </a:rPr>
+              <a:t>➁納入回数（便）</a:t>
+            </a:r>
+            <a:endParaRPr lang="en-US" altLang="ja-JP" sz="1400" dirty="0">
+              <a:solidFill>
+                <a:schemeClr val="accent5"/>
+              </a:solidFill>
+            </a:endParaRPr>
+          </a:p>
+          <a:p>
+            <a:r>
+              <a:rPr lang="ja-JP" altLang="en-US" sz="1400" dirty="0">
+                <a:solidFill>
+                  <a:schemeClr val="accent5"/>
+                </a:solidFill>
+              </a:rPr>
+              <a:t>➂納入回数（遅れ）</a:t>
+            </a:r>
+            <a:endParaRPr lang="en-US" altLang="ja-JP" sz="1400" dirty="0">
+              <a:solidFill>
+                <a:schemeClr val="accent5"/>
+              </a:solidFill>
+            </a:endParaRPr>
+          </a:p>
+          <a:p>
+            <a:r>
+              <a:rPr lang="ja-JP" altLang="en-US" sz="1400" dirty="0">
+                <a:solidFill>
+                  <a:schemeClr val="accent5"/>
+                </a:solidFill>
+              </a:rPr>
+              <a:t>④基準在庫日数</a:t>
+            </a:r>
+            <a:endParaRPr lang="en-US" altLang="ja-JP" sz="1400" dirty="0">
+              <a:solidFill>
+                <a:schemeClr val="accent5"/>
+              </a:solidFill>
+            </a:endParaRPr>
+          </a:p>
+          <a:p>
+            <a:r>
+              <a:rPr lang="ja-JP" altLang="en-US" sz="1400" dirty="0">
+                <a:solidFill>
+                  <a:schemeClr val="accent5"/>
+                </a:solidFill>
+              </a:rPr>
+              <a:t>⑤基準在庫枚数</a:t>
+            </a:r>
+            <a:endParaRPr lang="en-US" altLang="ja-JP" sz="1400" dirty="0">
+              <a:solidFill>
+                <a:schemeClr val="accent5"/>
+              </a:solidFill>
+            </a:endParaRPr>
+          </a:p>
+          <a:p>
+            <a:r>
+              <a:rPr lang="ja-JP" altLang="en-US" sz="1400" dirty="0">
+                <a:solidFill>
+                  <a:schemeClr val="accent5"/>
+                </a:solidFill>
+              </a:rPr>
+              <a:t>⑥組立時間稼働率</a:t>
+            </a:r>
+            <a:endParaRPr lang="en-US" altLang="ja-JP" sz="1400" dirty="0">
+              <a:solidFill>
+                <a:schemeClr val="accent5"/>
+              </a:solidFill>
+            </a:endParaRPr>
+          </a:p>
+          <a:p>
+            <a:r>
+              <a:rPr lang="ja-JP" altLang="en-US" sz="1400" dirty="0">
+                <a:solidFill>
+                  <a:schemeClr val="accent5"/>
+                </a:solidFill>
+              </a:rPr>
+              <a:t>⑦便</a:t>
+            </a:r>
+            <a:r>
+              <a:rPr lang="en-US" altLang="ja-JP" sz="1400" dirty="0">
+                <a:solidFill>
+                  <a:schemeClr val="accent5"/>
+                </a:solidFill>
+              </a:rPr>
+              <a:t>Ave</a:t>
+            </a:r>
+          </a:p>
+          <a:p>
+            <a:r>
+              <a:rPr lang="ja-JP" altLang="en-US" sz="1400" dirty="0">
+                <a:solidFill>
+                  <a:schemeClr val="accent5"/>
+                </a:solidFill>
+              </a:rPr>
+              <a:t>⑧加工数</a:t>
+            </a:r>
+            <a:endParaRPr lang="en-US" altLang="ja-JP" sz="1400" dirty="0">
+              <a:solidFill>
+                <a:schemeClr val="accent5"/>
+              </a:solidFill>
+            </a:endParaRPr>
+          </a:p>
+          <a:p>
+            <a:r>
+              <a:rPr lang="ja-JP" altLang="en-US" sz="1400" dirty="0">
+                <a:solidFill>
+                  <a:schemeClr val="accent5"/>
+                </a:solidFill>
+              </a:rPr>
+              <a:t>⑨不等ピッチ</a:t>
+            </a:r>
+            <a:endParaRPr lang="en-US" altLang="ja-JP" sz="1400" dirty="0">
+              <a:solidFill>
+                <a:schemeClr val="accent5"/>
+              </a:solidFill>
+            </a:endParaRPr>
+          </a:p>
+          <a:p>
+            <a:r>
+              <a:rPr lang="ja-JP" altLang="en-US" sz="1400" dirty="0">
+                <a:solidFill>
+                  <a:schemeClr val="accent5"/>
+                </a:solidFill>
+              </a:rPr>
+              <a:t>⑩納入数</a:t>
+            </a:r>
+            <a:r>
+              <a:rPr lang="ja-JP" altLang="ja-JP" sz="1400" dirty="0">
+                <a:solidFill>
+                  <a:schemeClr val="accent5"/>
+                </a:solidFill>
+              </a:rPr>
+              <a:t>/</a:t>
+            </a:r>
+            <a:r>
+              <a:rPr lang="ja-JP" altLang="en-US" sz="1400" dirty="0">
+                <a:solidFill>
+                  <a:schemeClr val="accent5"/>
+                </a:solidFill>
+              </a:rPr>
+              <a:t>日量数</a:t>
+            </a:r>
+            <a:endParaRPr lang="en-US" altLang="ja-JP" sz="1400" dirty="0">
+              <a:solidFill>
+                <a:schemeClr val="accent5"/>
+              </a:solidFill>
+            </a:endParaRPr>
+          </a:p>
+          <a:p>
+            <a:r>
+              <a:rPr lang="ja-JP" altLang="en-US" sz="1400" dirty="0">
+                <a:solidFill>
+                  <a:schemeClr val="accent5"/>
+                </a:solidFill>
+              </a:rPr>
+              <a:t>⑪入庫数</a:t>
+            </a:r>
+            <a:r>
+              <a:rPr lang="en-US" altLang="ja-JP" sz="1400" dirty="0">
+                <a:solidFill>
+                  <a:schemeClr val="accent5"/>
+                </a:solidFill>
+              </a:rPr>
+              <a:t>/</a:t>
+            </a:r>
+            <a:r>
+              <a:rPr lang="ja-JP" altLang="en-US" sz="1400" dirty="0">
+                <a:solidFill>
+                  <a:schemeClr val="accent5"/>
+                </a:solidFill>
+              </a:rPr>
+              <a:t>納入数</a:t>
+            </a:r>
+            <a:endParaRPr lang="en-US" altLang="ja-JP" sz="1400" dirty="0">
+              <a:solidFill>
+                <a:schemeClr val="accent5"/>
+              </a:solidFill>
+            </a:endParaRPr>
+          </a:p>
+          <a:p>
+            <a:r>
+              <a:rPr lang="ja-JP" altLang="en-US" sz="1400" dirty="0">
+                <a:solidFill>
+                  <a:schemeClr val="accent5"/>
+                </a:solidFill>
+              </a:rPr>
+              <a:t>⑫出庫数</a:t>
+            </a:r>
+            <a:r>
+              <a:rPr lang="en-US" altLang="ja-JP" sz="1400" dirty="0">
+                <a:solidFill>
+                  <a:schemeClr val="accent5"/>
+                </a:solidFill>
+              </a:rPr>
+              <a:t>/</a:t>
+            </a:r>
+            <a:r>
+              <a:rPr lang="ja-JP" altLang="en-US" sz="1400" dirty="0">
+                <a:solidFill>
+                  <a:schemeClr val="accent5"/>
+                </a:solidFill>
+              </a:rPr>
+              <a:t>入庫数</a:t>
+            </a:r>
+            <a:endParaRPr lang="en-US" altLang="ja-JP" sz="1400" dirty="0">
+              <a:solidFill>
+                <a:schemeClr val="accent5"/>
+              </a:solidFill>
+            </a:endParaRPr>
+          </a:p>
+          <a:p>
+            <a:r>
+              <a:rPr lang="ja-JP" altLang="en-US" sz="1400" dirty="0">
+                <a:solidFill>
+                  <a:schemeClr val="accent5"/>
+                </a:solidFill>
+              </a:rPr>
+              <a:t>⑬回収数</a:t>
+            </a:r>
+            <a:r>
+              <a:rPr lang="en-US" altLang="ja-JP" sz="1400" dirty="0">
+                <a:solidFill>
+                  <a:schemeClr val="accent5"/>
+                </a:solidFill>
+              </a:rPr>
+              <a:t>/</a:t>
+            </a:r>
+            <a:r>
+              <a:rPr lang="ja-JP" altLang="en-US" sz="1400" dirty="0">
+                <a:solidFill>
+                  <a:schemeClr val="accent5"/>
+                </a:solidFill>
+              </a:rPr>
+              <a:t>出庫数</a:t>
+            </a:r>
+            <a:endParaRPr lang="en-US" altLang="ja-JP" sz="1400" dirty="0">
+              <a:solidFill>
+                <a:schemeClr val="accent5"/>
+              </a:solidFill>
+            </a:endParaRPr>
+          </a:p>
+          <a:p>
+            <a:r>
+              <a:rPr lang="ja-JP" altLang="en-US" sz="1400" dirty="0">
+                <a:solidFill>
+                  <a:schemeClr val="accent5"/>
+                </a:solidFill>
+              </a:rPr>
+              <a:t>⑭仕入先</a:t>
+            </a:r>
+            <a:endParaRPr lang="en-US" altLang="ja-JP" sz="1400" dirty="0">
+              <a:solidFill>
+                <a:schemeClr val="accent5"/>
+              </a:solidFill>
+            </a:endParaRPr>
+          </a:p>
+          <a:p>
+            <a:r>
+              <a:rPr lang="ja-JP" altLang="en-US" sz="1400" dirty="0">
+                <a:solidFill>
+                  <a:schemeClr val="accent5"/>
+                </a:solidFill>
+              </a:rPr>
+              <a:t>⑮箱種</a:t>
+            </a:r>
+            <a:endParaRPr lang="en-US" altLang="ja-JP" sz="1400" dirty="0">
+              <a:solidFill>
+                <a:schemeClr val="accent5"/>
+              </a:solidFill>
+            </a:endParaRPr>
+          </a:p>
+          <a:p>
+            <a:r>
+              <a:rPr lang="ja-JP" altLang="en-US" sz="1400" dirty="0">
+                <a:solidFill>
+                  <a:schemeClr val="accent5"/>
+                </a:solidFill>
+              </a:rPr>
+              <a:t>⑯使用工程</a:t>
+            </a:r>
+            <a:endParaRPr lang="en-US" altLang="ja-JP" sz="1400" dirty="0">
+              <a:solidFill>
+                <a:schemeClr val="accent5"/>
+              </a:solidFill>
+            </a:endParaRPr>
+          </a:p>
+        </p:txBody>
+      </p:sp>
+      <p:sp>
+        <p:nvSpPr>
+          <p:cNvPr id="36" name="右中かっこ 35">
+            <a:extLst>
+              <a:ext uri="{FF2B5EF4-FFF2-40B4-BE49-F238E27FC236}">
+                <a16:creationId xmlns:a16="http://schemas.microsoft.com/office/drawing/2014/main" id="{7805318D-C0F9-4817-97F7-8CFE62B90C25}"/>
+              </a:ext>
+            </a:extLst>
+          </p:cNvPr>
+          <p:cNvSpPr/>
+          <p:nvPr/>
+        </p:nvSpPr>
+        <p:spPr>
+          <a:xfrm>
+            <a:off x="2041310" y="1978262"/>
+            <a:ext cx="300587" cy="3427014"/>
           </a:xfrm>
           <a:prstGeom prst="rightBrace">
             <a:avLst>
               <a:gd name="adj1" fmla="val 8333"/>
-              <a:gd name="adj2" fmla="val 50181"/>
+              <a:gd name="adj2" fmla="val 35010"/>
             </a:avLst>
           </a:prstGeom>
         </p:spPr>
@@ -22746,16 +25463,20 @@
           <a:lstStyle/>
           <a:p>
             <a:pPr algn="ctr"/>
-            <a:endParaRPr kumimoji="1" lang="ja-JP" altLang="en-US"/>
+            <a:endParaRPr kumimoji="1" lang="ja-JP" altLang="en-US">
+              <a:solidFill>
+                <a:schemeClr val="accent5"/>
+              </a:solidFill>
+            </a:endParaRPr>
           </a:p>
         </p:txBody>
       </p:sp>
       <p:sp>
         <p:nvSpPr>
-          <p:cNvPr id="56" name="右矢印 44">
+          <p:cNvPr id="37" name="正方形/長方形 36">
             <a:extLst>
               <a:ext uri="{FF2B5EF4-FFF2-40B4-BE49-F238E27FC236}">
-                <a16:creationId xmlns:a16="http://schemas.microsoft.com/office/drawing/2014/main" id="{40F63C73-A1BE-495A-9140-A889E7FB974C}"/>
+                <a16:creationId xmlns:a16="http://schemas.microsoft.com/office/drawing/2014/main" id="{134C2856-10F5-4DBA-8FDA-0FBE75C5E73A}"/>
               </a:ext>
             </a:extLst>
           </p:cNvPr>
@@ -22764,7 +25485,88 @@
         </p:nvSpPr>
         <p:spPr>
           <a:xfrm>
-            <a:off x="1411126" y="4863179"/>
+            <a:off x="2528160" y="2852858"/>
+            <a:ext cx="901700" cy="756895"/>
+          </a:xfrm>
+          <a:prstGeom prst="rect">
+            <a:avLst/>
+          </a:prstGeom>
+          <a:solidFill>
+            <a:schemeClr val="accent1"/>
+          </a:solidFill>
+          <a:ln>
+            <a:solidFill>
+              <a:schemeClr val="tx2"/>
+            </a:solidFill>
+          </a:ln>
+          <a:effectLst/>
+        </p:spPr>
+        <p:style>
+          <a:lnRef idx="1">
+            <a:schemeClr val="accent1"/>
+          </a:lnRef>
+          <a:fillRef idx="3">
+            <a:schemeClr val="accent1"/>
+          </a:fillRef>
+          <a:effectRef idx="2">
+            <a:schemeClr val="accent1"/>
+          </a:effectRef>
+          <a:fontRef idx="minor">
+            <a:schemeClr val="lt1"/>
+          </a:fontRef>
+        </p:style>
+        <p:txBody>
+          <a:bodyPr rtlCol="0" anchor="ctr"/>
+          <a:lstStyle/>
+          <a:p>
+            <a:pPr algn="ctr"/>
+            <a:r>
+              <a:rPr lang="ja-JP" altLang="en-US" sz="1200" dirty="0">
+                <a:solidFill>
+                  <a:schemeClr val="bg1"/>
+                </a:solidFill>
+              </a:rPr>
+              <a:t>複雑な</a:t>
+            </a:r>
+            <a:endParaRPr lang="en-US" altLang="ja-JP" sz="1200" dirty="0">
+              <a:solidFill>
+                <a:schemeClr val="bg1"/>
+              </a:solidFill>
+            </a:endParaRPr>
+          </a:p>
+          <a:p>
+            <a:pPr algn="ctr"/>
+            <a:r>
+              <a:rPr lang="ja-JP" altLang="en-US" sz="1200" dirty="0">
+                <a:solidFill>
+                  <a:schemeClr val="bg1"/>
+                </a:solidFill>
+              </a:rPr>
+              <a:t>関係？</a:t>
+            </a:r>
+            <a:endParaRPr kumimoji="1" lang="ja-JP" altLang="en-US" sz="1200" dirty="0">
+              <a:solidFill>
+                <a:schemeClr val="bg1"/>
+              </a:solidFill>
+            </a:endParaRPr>
+          </a:p>
+        </p:txBody>
+      </p:sp>
+      <p:sp>
+        <p:nvSpPr>
+          <p:cNvPr id="38" name="右矢印 44">
+            <a:extLst>
+              <a:ext uri="{FF2B5EF4-FFF2-40B4-BE49-F238E27FC236}">
+                <a16:creationId xmlns:a16="http://schemas.microsoft.com/office/drawing/2014/main" id="{99D54CAA-D9CB-4CC2-8C4F-E87CEE1A635C}"/>
+              </a:ext>
+            </a:extLst>
+          </p:cNvPr>
+          <p:cNvSpPr/>
+          <p:nvPr/>
+        </p:nvSpPr>
+        <p:spPr>
+          <a:xfrm>
+            <a:off x="2143999" y="3029498"/>
             <a:ext cx="337578" cy="296188"/>
           </a:xfrm>
           <a:prstGeom prst="rightArrow">
@@ -22803,10 +25605,10 @@
       </p:sp>
       <p:sp>
         <p:nvSpPr>
-          <p:cNvPr id="57" name="右矢印 44">
+          <p:cNvPr id="39" name="右矢印 44">
             <a:extLst>
               <a:ext uri="{FF2B5EF4-FFF2-40B4-BE49-F238E27FC236}">
-                <a16:creationId xmlns:a16="http://schemas.microsoft.com/office/drawing/2014/main" id="{11664FE8-986D-453A-AAB1-600EB1350229}"/>
+                <a16:creationId xmlns:a16="http://schemas.microsoft.com/office/drawing/2014/main" id="{2FDFC2AF-7F7F-4298-81CF-8968EBA3F4B2}"/>
               </a:ext>
             </a:extLst>
           </p:cNvPr>
@@ -22815,7 +25617,7 @@
         </p:nvSpPr>
         <p:spPr>
           <a:xfrm>
-            <a:off x="2895694" y="4844345"/>
+            <a:off x="3513633" y="3057682"/>
             <a:ext cx="337578" cy="296188"/>
           </a:xfrm>
           <a:prstGeom prst="rightArrow">
@@ -22854,10 +25656,10 @@
       </p:sp>
       <p:sp>
         <p:nvSpPr>
-          <p:cNvPr id="58" name="テキスト ボックス 57">
+          <p:cNvPr id="40" name="テキスト ボックス 39">
             <a:extLst>
               <a:ext uri="{FF2B5EF4-FFF2-40B4-BE49-F238E27FC236}">
-                <a16:creationId xmlns:a16="http://schemas.microsoft.com/office/drawing/2014/main" id="{D5C3887D-8571-48D5-BDC0-AFD6B47438F3}"/>
+                <a16:creationId xmlns:a16="http://schemas.microsoft.com/office/drawing/2014/main" id="{34FBC233-655C-44DE-AE8A-A6C2F35CA63D}"/>
               </a:ext>
             </a:extLst>
           </p:cNvPr>
@@ -22866,52 +25668,7 @@
         </p:nvSpPr>
         <p:spPr>
           <a:xfrm>
-            <a:off x="513279" y="5928298"/>
-            <a:ext cx="1238326" cy="276999"/>
-          </a:xfrm>
-          <a:prstGeom prst="rect">
-            <a:avLst/>
-          </a:prstGeom>
-          <a:noFill/>
-        </p:spPr>
-        <p:txBody>
-          <a:bodyPr wrap="square">
-            <a:spAutoFit/>
-          </a:bodyPr>
-          <a:lstStyle/>
-          <a:p>
-            <a:pPr algn="ctr"/>
-            <a:r>
-              <a:rPr lang="ja-JP" altLang="en-US" sz="1200" dirty="0">
-                <a:solidFill>
-                  <a:schemeClr val="accent5"/>
-                </a:solidFill>
-              </a:rPr>
-              <a:t>影響する因子</a:t>
-            </a:r>
-            <a:endParaRPr kumimoji="1" lang="ja-JP" altLang="en-US" sz="1200" dirty="0">
-              <a:solidFill>
-                <a:schemeClr val="accent5"/>
-              </a:solidFill>
-            </a:endParaRPr>
-          </a:p>
-        </p:txBody>
-      </p:sp>
-      <p:sp>
-        <p:nvSpPr>
-          <p:cNvPr id="59" name="テキスト ボックス 58">
-            <a:extLst>
-              <a:ext uri="{FF2B5EF4-FFF2-40B4-BE49-F238E27FC236}">
-                <a16:creationId xmlns:a16="http://schemas.microsoft.com/office/drawing/2014/main" id="{0778B63B-040A-408A-9A68-244941725B08}"/>
-              </a:ext>
-            </a:extLst>
-          </p:cNvPr>
-          <p:cNvSpPr txBox="1"/>
-          <p:nvPr/>
-        </p:nvSpPr>
-        <p:spPr>
-          <a:xfrm>
-            <a:off x="2925299" y="5260267"/>
+            <a:off x="3801030" y="3076871"/>
             <a:ext cx="1266442" cy="276999"/>
           </a:xfrm>
           <a:prstGeom prst="rect">
@@ -22932,7 +25689,23 @@
                   <a:schemeClr val="accent6"/>
                 </a:solidFill>
               </a:rPr>
-              <a:t>発見する要素</a:t>
+              <a:t>社内</a:t>
+            </a:r>
+            <a:r>
+              <a:rPr lang="en-US" altLang="ja-JP" sz="1200" dirty="0">
+                <a:solidFill>
+                  <a:schemeClr val="accent6"/>
+                </a:solidFill>
+              </a:rPr>
+              <a:t>LT/</a:t>
+            </a:r>
+            <a:r>
+              <a:rPr lang="ja-JP" altLang="en-US" sz="1200" dirty="0">
+                <a:solidFill>
+                  <a:schemeClr val="accent6"/>
+                </a:solidFill>
+              </a:rPr>
+              <a:t>設計値</a:t>
             </a:r>
             <a:endParaRPr kumimoji="1" lang="en-US" altLang="ja-JP" sz="1200" dirty="0">
               <a:solidFill>
@@ -22942,12 +25715,176 @@
           </a:p>
         </p:txBody>
       </p:sp>
+      <p:pic>
+        <p:nvPicPr>
+          <p:cNvPr id="41" name="Picture 2" descr="検索する人工知能のイラスト">
+            <a:extLst>
+              <a:ext uri="{FF2B5EF4-FFF2-40B4-BE49-F238E27FC236}">
+                <a16:creationId xmlns:a16="http://schemas.microsoft.com/office/drawing/2014/main" id="{6DC64E93-82F2-4071-BF5C-9BCF4036E8F7}"/>
+              </a:ext>
+            </a:extLst>
+          </p:cNvPr>
+          <p:cNvPicPr>
+            <a:picLocks noChangeAspect="1" noChangeArrowheads="1"/>
+          </p:cNvPicPr>
+          <p:nvPr/>
+        </p:nvPicPr>
+        <p:blipFill>
+          <a:blip r:embed="rId3" cstate="print">
+            <a:extLst>
+              <a:ext uri="{28A0092B-C50C-407E-A947-70E740481C1C}">
+                <a14:useLocalDpi xmlns:a14="http://schemas.microsoft.com/office/drawing/2010/main" val="0"/>
+              </a:ext>
+            </a:extLst>
+          </a:blip>
+          <a:srcRect/>
+          <a:stretch>
+            <a:fillRect/>
+          </a:stretch>
+        </p:blipFill>
+        <p:spPr bwMode="auto">
+          <a:xfrm>
+            <a:off x="2555824" y="4638873"/>
+            <a:ext cx="846371" cy="846371"/>
+          </a:xfrm>
+          <a:prstGeom prst="rect">
+            <a:avLst/>
+          </a:prstGeom>
+          <a:noFill/>
+          <a:extLst>
+            <a:ext uri="{909E8E84-426E-40DD-AFC4-6F175D3DCCD1}">
+              <a14:hiddenFill xmlns:a14="http://schemas.microsoft.com/office/drawing/2010/main">
+                <a:solidFill>
+                  <a:srgbClr val="FFFFFF"/>
+                </a:solidFill>
+              </a14:hiddenFill>
+            </a:ext>
+          </a:extLst>
+        </p:spPr>
+      </p:pic>
+      <p:cxnSp>
+        <p:nvCxnSpPr>
+          <p:cNvPr id="43" name="直線矢印コネクタ 42">
+            <a:extLst>
+              <a:ext uri="{FF2B5EF4-FFF2-40B4-BE49-F238E27FC236}">
+                <a16:creationId xmlns:a16="http://schemas.microsoft.com/office/drawing/2014/main" id="{F4522B1F-5C14-4351-8F29-1A357CAD0D1F}"/>
+              </a:ext>
+            </a:extLst>
+          </p:cNvPr>
+          <p:cNvCxnSpPr>
+            <a:stCxn id="41" idx="0"/>
+            <a:endCxn id="37" idx="2"/>
+          </p:cNvCxnSpPr>
+          <p:nvPr/>
+        </p:nvCxnSpPr>
+        <p:spPr>
+          <a:xfrm flipV="1">
+            <a:off x="2979010" y="3609753"/>
+            <a:ext cx="0" cy="1029120"/>
+          </a:xfrm>
+          <a:prstGeom prst="straightConnector1">
+            <a:avLst/>
+          </a:prstGeom>
+          <a:ln w="28575">
+            <a:tailEnd type="triangle"/>
+          </a:ln>
+        </p:spPr>
+        <p:style>
+          <a:lnRef idx="1">
+            <a:schemeClr val="accent1"/>
+          </a:lnRef>
+          <a:fillRef idx="0">
+            <a:schemeClr val="accent1"/>
+          </a:fillRef>
+          <a:effectRef idx="0">
+            <a:schemeClr val="accent1"/>
+          </a:effectRef>
+          <a:fontRef idx="minor">
+            <a:schemeClr val="tx1"/>
+          </a:fontRef>
+        </p:style>
+      </p:cxnSp>
       <p:sp>
         <p:nvSpPr>
-          <p:cNvPr id="60" name="角丸四角形 19">
+          <p:cNvPr id="45" name="テキスト ボックス 44">
             <a:extLst>
               <a:ext uri="{FF2B5EF4-FFF2-40B4-BE49-F238E27FC236}">
-                <a16:creationId xmlns:a16="http://schemas.microsoft.com/office/drawing/2014/main" id="{10443469-7B47-42B1-9364-C67D4F15DAA3}"/>
+                <a16:creationId xmlns:a16="http://schemas.microsoft.com/office/drawing/2014/main" id="{75D8DB11-2A9D-4404-A026-7A0002E08170}"/>
+              </a:ext>
+            </a:extLst>
+          </p:cNvPr>
+          <p:cNvSpPr txBox="1"/>
+          <p:nvPr/>
+        </p:nvSpPr>
+        <p:spPr>
+          <a:xfrm>
+            <a:off x="2927971" y="4100336"/>
+            <a:ext cx="573828" cy="307777"/>
+          </a:xfrm>
+          <a:prstGeom prst="rect">
+            <a:avLst/>
+          </a:prstGeom>
+          <a:noFill/>
+        </p:spPr>
+        <p:txBody>
+          <a:bodyPr wrap="square">
+            <a:spAutoFit/>
+          </a:bodyPr>
+          <a:lstStyle/>
+          <a:p>
+            <a:pPr algn="ctr"/>
+            <a:r>
+              <a:rPr kumimoji="1" lang="ja-JP" altLang="en-US" sz="1400" dirty="0"/>
+              <a:t>学習</a:t>
+            </a:r>
+          </a:p>
+        </p:txBody>
+      </p:sp>
+      <p:sp>
+        <p:nvSpPr>
+          <p:cNvPr id="46" name="テキスト ボックス 45">
+            <a:extLst>
+              <a:ext uri="{FF2B5EF4-FFF2-40B4-BE49-F238E27FC236}">
+                <a16:creationId xmlns:a16="http://schemas.microsoft.com/office/drawing/2014/main" id="{3907BD0C-A3D0-4970-9BF9-22137A07249D}"/>
+              </a:ext>
+            </a:extLst>
+          </p:cNvPr>
+          <p:cNvSpPr txBox="1"/>
+          <p:nvPr/>
+        </p:nvSpPr>
+        <p:spPr>
+          <a:xfrm>
+            <a:off x="2602654" y="5492384"/>
+            <a:ext cx="1032624" cy="307777"/>
+          </a:xfrm>
+          <a:prstGeom prst="rect">
+            <a:avLst/>
+          </a:prstGeom>
+          <a:noFill/>
+        </p:spPr>
+        <p:txBody>
+          <a:bodyPr wrap="square">
+            <a:spAutoFit/>
+          </a:bodyPr>
+          <a:lstStyle/>
+          <a:p>
+            <a:r>
+              <a:rPr kumimoji="1" lang="en-US" altLang="ja-JP" sz="1400" dirty="0"/>
+              <a:t>AI</a:t>
+            </a:r>
+            <a:r>
+              <a:rPr kumimoji="1" lang="ja-JP" altLang="en-US" sz="1400" dirty="0"/>
+              <a:t>モデル</a:t>
+            </a:r>
+          </a:p>
+        </p:txBody>
+      </p:sp>
+      <p:sp>
+        <p:nvSpPr>
+          <p:cNvPr id="58" name="ホームベース 21">
+            <a:extLst>
+              <a:ext uri="{FF2B5EF4-FFF2-40B4-BE49-F238E27FC236}">
+                <a16:creationId xmlns:a16="http://schemas.microsoft.com/office/drawing/2014/main" id="{5283E0EF-9D39-4700-B370-869F6C1965F7}"/>
               </a:ext>
             </a:extLst>
           </p:cNvPr>
@@ -22956,15 +25893,12 @@
         </p:nvSpPr>
         <p:spPr>
           <a:xfrm>
-            <a:off x="3338231" y="4789239"/>
-            <a:ext cx="440578" cy="406400"/>
+            <a:off x="514350" y="1257300"/>
+            <a:ext cx="3746500" cy="484632"/>
           </a:xfrm>
-          <a:prstGeom prst="roundRect">
+          <a:prstGeom prst="homePlate">
             <a:avLst/>
           </a:prstGeom>
-          <a:solidFill>
-            <a:schemeClr val="accent6"/>
-          </a:solidFill>
           <a:effectLst/>
         </p:spPr>
         <p:style>
@@ -22987,16 +25921,410 @@
           <a:p>
             <a:pPr algn="ctr"/>
             <a:r>
-              <a:rPr kumimoji="1" lang="ja-JP" altLang="en-US" sz="800" dirty="0"/>
-              <a:t>予測</a:t>
-            </a:r>
+              <a:rPr lang="ja-JP" altLang="en-US" dirty="0"/>
+              <a:t>➀</a:t>
+            </a:r>
+            <a:r>
+              <a:rPr lang="en-US" altLang="ja-JP" dirty="0"/>
+              <a:t>AI</a:t>
+            </a:r>
+            <a:r>
+              <a:rPr lang="ja-JP" altLang="en-US" dirty="0"/>
+              <a:t>モデルの開発</a:t>
+            </a:r>
+            <a:endParaRPr kumimoji="1" lang="ja-JP" altLang="en-US" dirty="0"/>
+          </a:p>
+        </p:txBody>
+      </p:sp>
+      <p:sp>
+        <p:nvSpPr>
+          <p:cNvPr id="59" name="山形 22">
+            <a:extLst>
+              <a:ext uri="{FF2B5EF4-FFF2-40B4-BE49-F238E27FC236}">
+                <a16:creationId xmlns:a16="http://schemas.microsoft.com/office/drawing/2014/main" id="{ECDA084D-31FB-4C65-AE55-0EC457E999EE}"/>
+              </a:ext>
+            </a:extLst>
+          </p:cNvPr>
+          <p:cNvSpPr/>
+          <p:nvPr/>
+        </p:nvSpPr>
+        <p:spPr>
+          <a:xfrm>
+            <a:off x="4133849" y="1257300"/>
+            <a:ext cx="1384449" cy="484632"/>
+          </a:xfrm>
+          <a:prstGeom prst="chevron">
+            <a:avLst/>
+          </a:prstGeom>
+          <a:effectLst/>
+        </p:spPr>
+        <p:style>
+          <a:lnRef idx="1">
+            <a:schemeClr val="accent1"/>
+          </a:lnRef>
+          <a:fillRef idx="3">
+            <a:schemeClr val="accent1"/>
+          </a:fillRef>
+          <a:effectRef idx="2">
+            <a:schemeClr val="accent1"/>
+          </a:effectRef>
+          <a:fontRef idx="minor">
+            <a:schemeClr val="lt1"/>
+          </a:fontRef>
+        </p:style>
+        <p:txBody>
+          <a:bodyPr rtlCol="0" anchor="ctr"/>
+          <a:lstStyle/>
+          <a:p>
+            <a:pPr algn="ctr"/>
+            <a:r>
+              <a:rPr kumimoji="1" lang="ja-JP" altLang="en-US" dirty="0">
+                <a:solidFill>
+                  <a:srgbClr val="FFFFFF"/>
+                </a:solidFill>
+              </a:rPr>
+              <a:t>➁省略</a:t>
+            </a:r>
+          </a:p>
+        </p:txBody>
+      </p:sp>
+      <p:sp>
+        <p:nvSpPr>
+          <p:cNvPr id="60" name="山形 22">
+            <a:extLst>
+              <a:ext uri="{FF2B5EF4-FFF2-40B4-BE49-F238E27FC236}">
+                <a16:creationId xmlns:a16="http://schemas.microsoft.com/office/drawing/2014/main" id="{9C5A88B6-40D7-440E-A944-E2555CCB31A7}"/>
+              </a:ext>
+            </a:extLst>
+          </p:cNvPr>
+          <p:cNvSpPr/>
+          <p:nvPr/>
+        </p:nvSpPr>
+        <p:spPr>
+          <a:xfrm>
+            <a:off x="5388397" y="1257300"/>
+            <a:ext cx="6396236" cy="484632"/>
+          </a:xfrm>
+          <a:prstGeom prst="chevron">
+            <a:avLst/>
+          </a:prstGeom>
+          <a:effectLst/>
+        </p:spPr>
+        <p:style>
+          <a:lnRef idx="1">
+            <a:schemeClr val="accent1"/>
+          </a:lnRef>
+          <a:fillRef idx="3">
+            <a:schemeClr val="accent1"/>
+          </a:fillRef>
+          <a:effectRef idx="2">
+            <a:schemeClr val="accent1"/>
+          </a:effectRef>
+          <a:fontRef idx="minor">
+            <a:schemeClr val="lt1"/>
+          </a:fontRef>
+        </p:style>
+        <p:txBody>
+          <a:bodyPr rtlCol="0" anchor="ctr"/>
+          <a:lstStyle/>
+          <a:p>
+            <a:pPr algn="ctr"/>
+            <a:r>
+              <a:rPr lang="ja-JP" altLang="en-US" dirty="0">
+                <a:solidFill>
+                  <a:srgbClr val="FFFFFF"/>
+                </a:solidFill>
+              </a:rPr>
+              <a:t>➂ヒートマップ作成</a:t>
+            </a:r>
+            <a:endParaRPr kumimoji="1" lang="ja-JP" altLang="en-US" dirty="0">
+              <a:solidFill>
+                <a:srgbClr val="FFFFFF"/>
+              </a:solidFill>
+            </a:endParaRPr>
+          </a:p>
+        </p:txBody>
+      </p:sp>
+      <p:sp>
+        <p:nvSpPr>
+          <p:cNvPr id="63" name="テキスト ボックス 62">
+            <a:extLst>
+              <a:ext uri="{FF2B5EF4-FFF2-40B4-BE49-F238E27FC236}">
+                <a16:creationId xmlns:a16="http://schemas.microsoft.com/office/drawing/2014/main" id="{CB833A3A-0C2C-4DED-8B27-F46E54386646}"/>
+              </a:ext>
+            </a:extLst>
+          </p:cNvPr>
+          <p:cNvSpPr txBox="1"/>
+          <p:nvPr/>
+        </p:nvSpPr>
+        <p:spPr>
+          <a:xfrm>
+            <a:off x="2260167" y="5774852"/>
+            <a:ext cx="2807305" cy="646331"/>
+          </a:xfrm>
+          <a:prstGeom prst="rect">
+            <a:avLst/>
+          </a:prstGeom>
+          <a:solidFill>
+            <a:srgbClr val="FFFF00"/>
+          </a:solidFill>
+        </p:spPr>
+        <p:txBody>
+          <a:bodyPr wrap="square">
+            <a:spAutoFit/>
+          </a:bodyPr>
+          <a:lstStyle/>
+          <a:p>
+            <a:r>
+              <a:rPr lang="ja-JP" altLang="en-US" sz="1200" b="0" dirty="0">
+                <a:solidFill>
+                  <a:schemeClr val="tx1"/>
+                </a:solidFill>
+              </a:rPr>
+              <a:t>学習の結果、</a:t>
+            </a:r>
+            <a:endParaRPr lang="en-US" altLang="ja-JP" sz="1200" b="0" dirty="0">
+              <a:solidFill>
+                <a:schemeClr val="tx1"/>
+              </a:solidFill>
+            </a:endParaRPr>
+          </a:p>
+          <a:p>
+            <a:r>
+              <a:rPr lang="ja-JP" altLang="en-US" sz="1200" b="0" dirty="0">
+                <a:solidFill>
+                  <a:schemeClr val="tx1"/>
+                </a:solidFill>
+              </a:rPr>
+              <a:t>未知のデータに対する予測精度</a:t>
+            </a:r>
+            <a:endParaRPr lang="en-US" altLang="ja-JP" sz="1200" b="0" dirty="0">
+              <a:solidFill>
+                <a:schemeClr val="tx1"/>
+              </a:solidFill>
+            </a:endParaRPr>
+          </a:p>
+          <a:p>
+            <a:r>
+              <a:rPr lang="ja-JP" altLang="en-US" sz="1200" dirty="0"/>
+              <a:t>は誤差</a:t>
+            </a:r>
+            <a:r>
+              <a:rPr lang="en-US" altLang="ja-JP" sz="1200" dirty="0"/>
+              <a:t>±17%</a:t>
+            </a:r>
+            <a:r>
+              <a:rPr lang="ja-JP" altLang="en-US" sz="1200" dirty="0"/>
+              <a:t>（結果の信頼性が</a:t>
+            </a:r>
+            <a:r>
+              <a:rPr lang="en-US" altLang="ja-JP" sz="1200" dirty="0"/>
+              <a:t>83%</a:t>
+            </a:r>
+            <a:r>
+              <a:rPr lang="ja-JP" altLang="en-US" sz="1200" dirty="0"/>
+              <a:t>）</a:t>
+            </a:r>
+            <a:endParaRPr lang="en-US" altLang="ja-JP" sz="1200" b="0" dirty="0">
+              <a:solidFill>
+                <a:schemeClr val="tx1"/>
+              </a:solidFill>
+            </a:endParaRPr>
+          </a:p>
+        </p:txBody>
+      </p:sp>
+      <p:sp>
+        <p:nvSpPr>
+          <p:cNvPr id="70" name="右矢印 44">
+            <a:extLst>
+              <a:ext uri="{FF2B5EF4-FFF2-40B4-BE49-F238E27FC236}">
+                <a16:creationId xmlns:a16="http://schemas.microsoft.com/office/drawing/2014/main" id="{7E260DD2-88C9-42CC-BF52-81284763FFD3}"/>
+              </a:ext>
+            </a:extLst>
+          </p:cNvPr>
+          <p:cNvSpPr/>
+          <p:nvPr/>
+        </p:nvSpPr>
+        <p:spPr>
+          <a:xfrm>
+            <a:off x="3344844" y="4777409"/>
+            <a:ext cx="1938086" cy="296188"/>
+          </a:xfrm>
+          <a:prstGeom prst="rightArrow">
+            <a:avLst/>
+          </a:prstGeom>
+          <a:solidFill>
+            <a:schemeClr val="accent1"/>
+          </a:solidFill>
+          <a:ln>
+            <a:noFill/>
+          </a:ln>
+          <a:effectLst/>
+        </p:spPr>
+        <p:style>
+          <a:lnRef idx="1">
+            <a:schemeClr val="accent1"/>
+          </a:lnRef>
+          <a:fillRef idx="3">
+            <a:schemeClr val="accent1"/>
+          </a:fillRef>
+          <a:effectRef idx="2">
+            <a:schemeClr val="accent1"/>
+          </a:effectRef>
+          <a:fontRef idx="minor">
+            <a:schemeClr val="lt1"/>
+          </a:fontRef>
+        </p:style>
+        <p:txBody>
+          <a:bodyPr rtlCol="0" anchor="ctr"/>
+          <a:lstStyle/>
+          <a:p>
+            <a:pPr algn="ctr"/>
+            <a:endParaRPr kumimoji="1" lang="ja-JP" altLang="en-US"/>
+          </a:p>
+        </p:txBody>
+      </p:sp>
+      <p:sp>
+        <p:nvSpPr>
+          <p:cNvPr id="71" name="テキスト ボックス 70">
+            <a:extLst>
+              <a:ext uri="{FF2B5EF4-FFF2-40B4-BE49-F238E27FC236}">
+                <a16:creationId xmlns:a16="http://schemas.microsoft.com/office/drawing/2014/main" id="{92AA0AAA-C42A-4A5F-8D15-D8B42C9491E9}"/>
+              </a:ext>
+            </a:extLst>
+          </p:cNvPr>
+          <p:cNvSpPr txBox="1"/>
+          <p:nvPr/>
+        </p:nvSpPr>
+        <p:spPr>
+          <a:xfrm>
+            <a:off x="3682422" y="5008981"/>
+            <a:ext cx="1180586" cy="307777"/>
+          </a:xfrm>
+          <a:prstGeom prst="rect">
+            <a:avLst/>
+          </a:prstGeom>
+          <a:noFill/>
+        </p:spPr>
+        <p:txBody>
+          <a:bodyPr wrap="square">
+            <a:spAutoFit/>
+          </a:bodyPr>
+          <a:lstStyle/>
+          <a:p>
+            <a:pPr algn="ctr"/>
+            <a:r>
+              <a:rPr kumimoji="1" lang="ja-JP" altLang="en-US" sz="1400" dirty="0"/>
+              <a:t>影響度計算</a:t>
+            </a:r>
+          </a:p>
+        </p:txBody>
+      </p:sp>
+      <p:sp>
+        <p:nvSpPr>
+          <p:cNvPr id="72" name="テキスト ボックス 71">
+            <a:extLst>
+              <a:ext uri="{FF2B5EF4-FFF2-40B4-BE49-F238E27FC236}">
+                <a16:creationId xmlns:a16="http://schemas.microsoft.com/office/drawing/2014/main" id="{0BB7A0BA-68A2-477B-A450-680A1F293400}"/>
+              </a:ext>
+            </a:extLst>
+          </p:cNvPr>
+          <p:cNvSpPr txBox="1"/>
+          <p:nvPr/>
+        </p:nvSpPr>
+        <p:spPr>
+          <a:xfrm>
+            <a:off x="173724" y="5485244"/>
+            <a:ext cx="2354436" cy="307777"/>
+          </a:xfrm>
+          <a:prstGeom prst="rect">
+            <a:avLst/>
+          </a:prstGeom>
+          <a:noFill/>
+        </p:spPr>
+        <p:txBody>
+          <a:bodyPr wrap="square">
+            <a:spAutoFit/>
+          </a:bodyPr>
+          <a:lstStyle/>
+          <a:p>
+            <a:pPr algn="ctr"/>
+            <a:r>
+              <a:rPr kumimoji="1" lang="en-US" altLang="ja-JP" sz="1400" dirty="0"/>
+              <a:t>9</a:t>
+            </a:r>
+            <a:r>
+              <a:rPr kumimoji="1" lang="ja-JP" altLang="en-US" sz="1400" dirty="0"/>
+              <a:t>月のデータ（</a:t>
+            </a:r>
+            <a:r>
+              <a:rPr kumimoji="1" lang="en-US" altLang="ja-JP" sz="1400" dirty="0"/>
+              <a:t>1Y</a:t>
+            </a:r>
+            <a:r>
+              <a:rPr kumimoji="1" lang="ja-JP" altLang="en-US" sz="1400" dirty="0"/>
+              <a:t>の品番）</a:t>
+            </a:r>
+          </a:p>
+        </p:txBody>
+      </p:sp>
+      <p:sp>
+        <p:nvSpPr>
+          <p:cNvPr id="73" name="テキスト ボックス 72">
+            <a:extLst>
+              <a:ext uri="{FF2B5EF4-FFF2-40B4-BE49-F238E27FC236}">
+                <a16:creationId xmlns:a16="http://schemas.microsoft.com/office/drawing/2014/main" id="{EFBE50EC-300C-4B80-B6E7-B7ED7612E60A}"/>
+              </a:ext>
+            </a:extLst>
+          </p:cNvPr>
+          <p:cNvSpPr txBox="1"/>
+          <p:nvPr/>
+        </p:nvSpPr>
+        <p:spPr>
+          <a:xfrm>
+            <a:off x="407368" y="5784762"/>
+            <a:ext cx="1777359" cy="646331"/>
+          </a:xfrm>
+          <a:prstGeom prst="rect">
+            <a:avLst/>
+          </a:prstGeom>
+          <a:solidFill>
+            <a:srgbClr val="FFFF00"/>
+          </a:solidFill>
+        </p:spPr>
+        <p:txBody>
+          <a:bodyPr wrap="square">
+            <a:spAutoFit/>
+          </a:bodyPr>
+          <a:lstStyle/>
+          <a:p>
+            <a:r>
+              <a:rPr lang="ja-JP" altLang="en-US" sz="1200" dirty="0"/>
+              <a:t>元アイデアに即して、影響する因子、</a:t>
+            </a:r>
+            <a:endParaRPr lang="en-US" altLang="ja-JP" sz="1200" dirty="0"/>
+          </a:p>
+          <a:p>
+            <a:r>
+              <a:rPr lang="ja-JP" altLang="en-US" sz="1200" dirty="0"/>
+              <a:t>１</a:t>
+            </a:r>
+            <a:r>
+              <a:rPr lang="en-US" altLang="ja-JP" sz="1200" dirty="0"/>
+              <a:t>W</a:t>
+            </a:r>
+            <a:r>
+              <a:rPr lang="ja-JP" altLang="en-US" sz="1200" dirty="0"/>
+              <a:t>毎のデータを活用</a:t>
+            </a:r>
+            <a:endParaRPr lang="en-US" altLang="ja-JP" sz="1200" dirty="0"/>
           </a:p>
         </p:txBody>
       </p:sp>
     </p:spTree>
     <p:extLst>
       <p:ext uri="{BB962C8B-B14F-4D97-AF65-F5344CB8AC3E}">
-        <p14:creationId xmlns:p14="http://schemas.microsoft.com/office/powerpoint/2010/main" val="2908445968"/>
+        <p14:creationId xmlns:p14="http://schemas.microsoft.com/office/powerpoint/2010/main" val="1621624623"/>
       </p:ext>
     </p:extLst>
   </p:cSld>
@@ -23006,7 +26334,771 @@
 </p:sld>
 </file>
 
-<file path=ppt/slides/slide4.xml><?xml version="1.0" encoding="utf-8"?>
+<file path=ppt/slides/slide5.xml><?xml version="1.0" encoding="utf-8"?>
+<p:sld xmlns:a="http://schemas.openxmlformats.org/drawingml/2006/main" xmlns:r="http://schemas.openxmlformats.org/officeDocument/2006/relationships" xmlns:p="http://schemas.openxmlformats.org/presentationml/2006/main">
+  <p:cSld>
+    <p:spTree>
+      <p:nvGrpSpPr>
+        <p:cNvPr id="1" name=""/>
+        <p:cNvGrpSpPr/>
+        <p:nvPr/>
+      </p:nvGrpSpPr>
+      <p:grpSpPr>
+        <a:xfrm>
+          <a:off x="0" y="0"/>
+          <a:ext cx="0" cy="0"/>
+          <a:chOff x="0" y="0"/>
+          <a:chExt cx="0" cy="0"/>
+        </a:xfrm>
+      </p:grpSpPr>
+      <p:sp>
+        <p:nvSpPr>
+          <p:cNvPr id="2" name="テキスト プレースホルダー 1">
+            <a:extLst>
+              <a:ext uri="{FF2B5EF4-FFF2-40B4-BE49-F238E27FC236}">
+                <a16:creationId xmlns:a16="http://schemas.microsoft.com/office/drawing/2014/main" id="{449A1F21-4A5F-4BE9-AF11-A6EF19D6BE17}"/>
+              </a:ext>
+            </a:extLst>
+          </p:cNvPr>
+          <p:cNvSpPr>
+            <a:spLocks noGrp="1"/>
+          </p:cNvSpPr>
+          <p:nvPr>
+            <p:ph type="body" sz="quarter" idx="18"/>
+          </p:nvPr>
+        </p:nvSpPr>
+        <p:spPr/>
+        <p:txBody>
+          <a:bodyPr/>
+          <a:lstStyle/>
+          <a:p>
+            <a:r>
+              <a:rPr lang="ja-JP" altLang="en-US" sz="1800" b="0" dirty="0"/>
+              <a:t>結果の信頼性を保証するためにも精度改善が必要</a:t>
+            </a:r>
+            <a:endParaRPr lang="en-US" altLang="ja-JP" sz="1800" b="0" dirty="0"/>
+          </a:p>
+          <a:p>
+            <a:r>
+              <a:rPr lang="ja-JP" altLang="en-US" sz="1800" b="0" dirty="0"/>
+              <a:t>改めてモデルのインプットやアウトプット、ゴールを設定する必要があると思います</a:t>
+            </a:r>
+            <a:endParaRPr lang="en-US" altLang="ja-JP" sz="1800" b="0" dirty="0"/>
+          </a:p>
+          <a:p>
+            <a:endParaRPr kumimoji="1" lang="en-US" altLang="ja-JP" sz="1800" b="0" dirty="0"/>
+          </a:p>
+        </p:txBody>
+      </p:sp>
+      <p:sp>
+        <p:nvSpPr>
+          <p:cNvPr id="3" name="テキスト プレースホルダー 2">
+            <a:extLst>
+              <a:ext uri="{FF2B5EF4-FFF2-40B4-BE49-F238E27FC236}">
+                <a16:creationId xmlns:a16="http://schemas.microsoft.com/office/drawing/2014/main" id="{9BA0D052-E7B6-4633-A1A3-E5043EF7DB77}"/>
+              </a:ext>
+            </a:extLst>
+          </p:cNvPr>
+          <p:cNvSpPr>
+            <a:spLocks noGrp="1"/>
+          </p:cNvSpPr>
+          <p:nvPr>
+            <p:ph type="body" sz="quarter" idx="20"/>
+          </p:nvPr>
+        </p:nvSpPr>
+        <p:spPr/>
+        <p:txBody>
+          <a:bodyPr/>
+          <a:lstStyle/>
+          <a:p>
+            <a:r>
+              <a:rPr lang="ja-JP" altLang="en-US" sz="2400" dirty="0"/>
+              <a:t>開発上の課題や懸念点</a:t>
+            </a:r>
+            <a:endParaRPr kumimoji="1" lang="ja-JP" altLang="en-US" dirty="0"/>
+          </a:p>
+        </p:txBody>
+      </p:sp>
+      <p:sp>
+        <p:nvSpPr>
+          <p:cNvPr id="4" name="日付プレースホルダー 3">
+            <a:extLst>
+              <a:ext uri="{FF2B5EF4-FFF2-40B4-BE49-F238E27FC236}">
+                <a16:creationId xmlns:a16="http://schemas.microsoft.com/office/drawing/2014/main" id="{C8500C64-85DB-4C84-ACC6-B8833391C45B}"/>
+              </a:ext>
+            </a:extLst>
+          </p:cNvPr>
+          <p:cNvSpPr>
+            <a:spLocks noGrp="1"/>
+          </p:cNvSpPr>
+          <p:nvPr>
+            <p:ph type="dt" sz="half" idx="19"/>
+          </p:nvPr>
+        </p:nvSpPr>
+        <p:spPr/>
+        <p:txBody>
+          <a:bodyPr/>
+          <a:lstStyle/>
+          <a:p>
+            <a:fld id="{FCAFAC13-DB77-42F2-BE26-45BA5532FD50}" type="datetime4">
+              <a:rPr lang="en-US" altLang="ja-JP" smtClean="0"/>
+              <a:pPr/>
+              <a:t>November 23, 2023</a:t>
+            </a:fld>
+            <a:endParaRPr lang="en-US" dirty="0"/>
+          </a:p>
+        </p:txBody>
+      </p:sp>
+      <p:graphicFrame>
+        <p:nvGraphicFramePr>
+          <p:cNvPr id="5" name="表 5">
+            <a:extLst>
+              <a:ext uri="{FF2B5EF4-FFF2-40B4-BE49-F238E27FC236}">
+                <a16:creationId xmlns:a16="http://schemas.microsoft.com/office/drawing/2014/main" id="{410648F6-0CBF-4DC1-8F5F-9FE05E127E95}"/>
+              </a:ext>
+            </a:extLst>
+          </p:cNvPr>
+          <p:cNvGraphicFramePr>
+            <a:graphicFrameLocks noGrp="1"/>
+          </p:cNvGraphicFramePr>
+          <p:nvPr>
+            <p:extLst>
+              <p:ext uri="{D42A27DB-BD31-4B8C-83A1-F6EECF244321}">
+                <p14:modId xmlns:p14="http://schemas.microsoft.com/office/powerpoint/2010/main" val="4218929398"/>
+              </p:ext>
+            </p:extLst>
+          </p:nvPr>
+        </p:nvGraphicFramePr>
+        <p:xfrm>
+          <a:off x="443077" y="3412876"/>
+          <a:ext cx="11341554" cy="2992120"/>
+        </p:xfrm>
+        <a:graphic>
+          <a:graphicData uri="http://schemas.openxmlformats.org/drawingml/2006/table">
+            <a:tbl>
+              <a:tblPr firstRow="1" bandRow="1">
+                <a:tableStyleId>{5C22544A-7EE6-4342-B048-85BDC9FD1C3A}</a:tableStyleId>
+              </a:tblPr>
+              <a:tblGrid>
+                <a:gridCol w="555544">
+                  <a:extLst>
+                    <a:ext uri="{9D8B030D-6E8A-4147-A177-3AD203B41FA5}">
+                      <a16:colId xmlns:a16="http://schemas.microsoft.com/office/drawing/2014/main" val="78448438"/>
+                    </a:ext>
+                  </a:extLst>
+                </a:gridCol>
+                <a:gridCol w="5249779">
+                  <a:extLst>
+                    <a:ext uri="{9D8B030D-6E8A-4147-A177-3AD203B41FA5}">
+                      <a16:colId xmlns:a16="http://schemas.microsoft.com/office/drawing/2014/main" val="107180289"/>
+                    </a:ext>
+                  </a:extLst>
+                </a:gridCol>
+                <a:gridCol w="5536231">
+                  <a:extLst>
+                    <a:ext uri="{9D8B030D-6E8A-4147-A177-3AD203B41FA5}">
+                      <a16:colId xmlns:a16="http://schemas.microsoft.com/office/drawing/2014/main" val="2766736514"/>
+                    </a:ext>
+                  </a:extLst>
+                </a:gridCol>
+              </a:tblGrid>
+              <a:tr h="370840">
+                <a:tc>
+                  <a:txBody>
+                    <a:bodyPr/>
+                    <a:lstStyle/>
+                    <a:p>
+                      <a:r>
+                        <a:rPr kumimoji="1" lang="en-US" altLang="ja-JP" dirty="0"/>
+                        <a:t>No.</a:t>
+                      </a:r>
+                      <a:endParaRPr kumimoji="1" lang="ja-JP" altLang="en-US" dirty="0"/>
+                    </a:p>
+                  </a:txBody>
+                  <a:tcPr/>
+                </a:tc>
+                <a:tc>
+                  <a:txBody>
+                    <a:bodyPr/>
+                    <a:lstStyle/>
+                    <a:p>
+                      <a:r>
+                        <a:rPr kumimoji="1" lang="ja-JP" altLang="en-US" dirty="0"/>
+                        <a:t>課題</a:t>
+                      </a:r>
+                    </a:p>
+                  </a:txBody>
+                  <a:tcPr/>
+                </a:tc>
+                <a:tc>
+                  <a:txBody>
+                    <a:bodyPr/>
+                    <a:lstStyle/>
+                    <a:p>
+                      <a:r>
+                        <a:rPr kumimoji="1" lang="ja-JP" altLang="en-US" dirty="0"/>
+                        <a:t>懸念点</a:t>
+                      </a:r>
+                    </a:p>
+                  </a:txBody>
+                  <a:tcPr/>
+                </a:tc>
+                <a:extLst>
+                  <a:ext uri="{0D108BD9-81ED-4DB2-BD59-A6C34878D82A}">
+                    <a16:rowId xmlns:a16="http://schemas.microsoft.com/office/drawing/2014/main" val="78086130"/>
+                  </a:ext>
+                </a:extLst>
+              </a:tr>
+              <a:tr h="370840">
+                <a:tc>
+                  <a:txBody>
+                    <a:bodyPr/>
+                    <a:lstStyle/>
+                    <a:p>
+                      <a:pPr algn="ctr"/>
+                      <a:r>
+                        <a:rPr kumimoji="1" lang="en-US" altLang="ja-JP" sz="1400" dirty="0"/>
+                        <a:t>1</a:t>
+                      </a:r>
+                      <a:endParaRPr kumimoji="1" lang="ja-JP" altLang="en-US" sz="1400" dirty="0"/>
+                    </a:p>
+                  </a:txBody>
+                  <a:tcPr/>
+                </a:tc>
+                <a:tc>
+                  <a:txBody>
+                    <a:bodyPr/>
+                    <a:lstStyle/>
+                    <a:p>
+                      <a:pPr marL="0" marR="0" lvl="0" indent="0" algn="l" defTabSz="914400" rtl="0" eaLnBrk="1" fontAlgn="auto" latinLnBrk="0" hangingPunct="1">
+                        <a:lnSpc>
+                          <a:spcPct val="100000"/>
+                        </a:lnSpc>
+                        <a:spcBef>
+                          <a:spcPts val="0"/>
+                        </a:spcBef>
+                        <a:spcAft>
+                          <a:spcPts val="0"/>
+                        </a:spcAft>
+                        <a:buClrTx/>
+                        <a:buSzTx/>
+                        <a:buFontTx/>
+                        <a:buNone/>
+                        <a:tabLst/>
+                        <a:defRPr/>
+                      </a:pPr>
+                      <a:r>
+                        <a:rPr kumimoji="1" lang="ja-JP" altLang="en-US" sz="1400" b="1" dirty="0"/>
+                        <a:t>目標精度を設定すること</a:t>
+                      </a:r>
+                      <a:endParaRPr kumimoji="1" lang="en-US" altLang="ja-JP" sz="1400" b="1" dirty="0"/>
+                    </a:p>
+                    <a:p>
+                      <a:r>
+                        <a:rPr kumimoji="1" lang="ja-JP" altLang="en-US" sz="1400" dirty="0"/>
+                        <a:t>■例</a:t>
+                      </a:r>
+                      <a:endParaRPr kumimoji="1" lang="en-US" altLang="ja-JP" sz="1400" dirty="0"/>
+                    </a:p>
+                    <a:p>
+                      <a:r>
+                        <a:rPr kumimoji="1" lang="ja-JP" altLang="en-US" sz="1400" dirty="0"/>
+                        <a:t>・「発見する要素」の予測精度：誤差</a:t>
+                      </a:r>
+                      <a:r>
+                        <a:rPr kumimoji="1" lang="en-US" altLang="ja-JP" sz="1400" dirty="0"/>
+                        <a:t>±5%</a:t>
+                      </a:r>
+                      <a:r>
+                        <a:rPr kumimoji="1" lang="ja-JP" altLang="en-US" sz="1400" dirty="0"/>
+                        <a:t>？</a:t>
+                      </a:r>
+                      <a:r>
+                        <a:rPr kumimoji="1" lang="en-US" altLang="ja-JP" sz="1400" dirty="0"/>
+                        <a:t>±10%</a:t>
+                      </a:r>
+                      <a:r>
+                        <a:rPr kumimoji="1" lang="ja-JP" altLang="en-US" sz="1400" dirty="0"/>
+                        <a:t>？</a:t>
+                      </a:r>
+                      <a:endParaRPr kumimoji="1" lang="en-US" altLang="ja-JP" sz="1400" dirty="0"/>
+                    </a:p>
+                    <a:p>
+                      <a:r>
+                        <a:rPr kumimoji="1" lang="ja-JP" altLang="en-US" sz="1400" dirty="0"/>
+                        <a:t>・「影響する因子」の予測精度：異常の主要因を特定できる？</a:t>
+                      </a:r>
+                    </a:p>
+                  </a:txBody>
+                  <a:tcPr/>
+                </a:tc>
+                <a:tc>
+                  <a:txBody>
+                    <a:bodyPr/>
+                    <a:lstStyle/>
+                    <a:p>
+                      <a:r>
+                        <a:rPr kumimoji="1" lang="ja-JP" altLang="en-US" sz="1400" dirty="0"/>
+                        <a:t>「影響する因子」の予測精度を検証するためには、過去にあった異常とその真因がペアで対応づいているデータが必要になります</a:t>
+                      </a:r>
+                      <a:endParaRPr kumimoji="1" lang="en-US" altLang="ja-JP" sz="1400" dirty="0"/>
+                    </a:p>
+                  </a:txBody>
+                  <a:tcPr/>
+                </a:tc>
+                <a:extLst>
+                  <a:ext uri="{0D108BD9-81ED-4DB2-BD59-A6C34878D82A}">
+                    <a16:rowId xmlns:a16="http://schemas.microsoft.com/office/drawing/2014/main" val="3689526909"/>
+                  </a:ext>
+                </a:extLst>
+              </a:tr>
+              <a:tr h="370840">
+                <a:tc>
+                  <a:txBody>
+                    <a:bodyPr/>
+                    <a:lstStyle/>
+                    <a:p>
+                      <a:pPr algn="ctr"/>
+                      <a:r>
+                        <a:rPr kumimoji="1" lang="en-US" altLang="ja-JP" sz="1400" dirty="0"/>
+                        <a:t>2</a:t>
+                      </a:r>
+                      <a:endParaRPr kumimoji="1" lang="ja-JP" altLang="en-US" sz="1400" dirty="0"/>
+                    </a:p>
+                  </a:txBody>
+                  <a:tcPr/>
+                </a:tc>
+                <a:tc>
+                  <a:txBody>
+                    <a:bodyPr/>
+                    <a:lstStyle/>
+                    <a:p>
+                      <a:r>
+                        <a:rPr kumimoji="1" lang="ja-JP" altLang="en-US" sz="1400" b="1" dirty="0"/>
+                        <a:t>「発見する要素」の設定</a:t>
+                      </a:r>
+                      <a:endParaRPr kumimoji="1" lang="en-US" altLang="ja-JP" sz="1400" b="1" dirty="0"/>
+                    </a:p>
+                    <a:p>
+                      <a:r>
+                        <a:rPr kumimoji="1" lang="ja-JP" altLang="en-US" sz="1400" dirty="0"/>
+                        <a:t>■例</a:t>
+                      </a:r>
+                      <a:endParaRPr kumimoji="1" lang="en-US" altLang="ja-JP" sz="1400" dirty="0"/>
+                    </a:p>
+                    <a:p>
+                      <a:r>
+                        <a:rPr kumimoji="1" lang="ja-JP" altLang="en-US" sz="1400" dirty="0"/>
+                        <a:t>・属性：在庫数？リードタイム？組み合わせにする？</a:t>
+                      </a:r>
+                      <a:endParaRPr kumimoji="1" lang="en-US" altLang="ja-JP" sz="1400" dirty="0"/>
+                    </a:p>
+                    <a:p>
+                      <a:r>
+                        <a:rPr kumimoji="1" lang="ja-JP" altLang="en-US" sz="1400" dirty="0"/>
+                        <a:t>・粒度：１時間？１日？１週間？</a:t>
+                      </a:r>
+                    </a:p>
+                  </a:txBody>
+                  <a:tcPr/>
+                </a:tc>
+                <a:tc>
+                  <a:txBody>
+                    <a:bodyPr/>
+                    <a:lstStyle/>
+                    <a:p>
+                      <a:r>
+                        <a:rPr kumimoji="1" lang="ja-JP" altLang="en-US" sz="1400" dirty="0"/>
+                        <a:t>複雑な設定をすると、データの表現が広がるため予測精度が上がらない可能性があります</a:t>
+                      </a:r>
+                      <a:endParaRPr kumimoji="1" lang="en-US" altLang="ja-JP" sz="1400" dirty="0"/>
+                    </a:p>
+                  </a:txBody>
+                  <a:tcPr/>
+                </a:tc>
+                <a:extLst>
+                  <a:ext uri="{0D108BD9-81ED-4DB2-BD59-A6C34878D82A}">
+                    <a16:rowId xmlns:a16="http://schemas.microsoft.com/office/drawing/2014/main" val="2439002470"/>
+                  </a:ext>
+                </a:extLst>
+              </a:tr>
+              <a:tr h="370840">
+                <a:tc>
+                  <a:txBody>
+                    <a:bodyPr/>
+                    <a:lstStyle/>
+                    <a:p>
+                      <a:pPr algn="ctr"/>
+                      <a:r>
+                        <a:rPr kumimoji="1" lang="en-US" altLang="ja-JP" sz="1400" dirty="0"/>
+                        <a:t>3</a:t>
+                      </a:r>
+                    </a:p>
+                  </a:txBody>
+                  <a:tcPr/>
+                </a:tc>
+                <a:tc>
+                  <a:txBody>
+                    <a:bodyPr/>
+                    <a:lstStyle/>
+                    <a:p>
+                      <a:r>
+                        <a:rPr kumimoji="1" lang="ja-JP" altLang="en-US" sz="1400" b="1" dirty="0"/>
+                        <a:t>「影響する因子」の設定</a:t>
+                      </a:r>
+                      <a:endParaRPr kumimoji="1" lang="en-US" altLang="ja-JP" sz="1400" b="1" dirty="0"/>
+                    </a:p>
+                    <a:p>
+                      <a:r>
+                        <a:rPr kumimoji="1" lang="ja-JP" altLang="en-US" sz="1400" dirty="0"/>
+                        <a:t>■例</a:t>
+                      </a:r>
+                      <a:endParaRPr kumimoji="1" lang="en-US" altLang="ja-JP" sz="1400" dirty="0"/>
+                    </a:p>
+                    <a:p>
+                      <a:r>
+                        <a:rPr kumimoji="1" lang="ja-JP" altLang="en-US" sz="1400" dirty="0"/>
+                        <a:t>・ドメイン的に関係しそうな変数を追加する</a:t>
+                      </a:r>
+                      <a:endParaRPr kumimoji="1" lang="en-US" altLang="ja-JP" sz="1400" dirty="0"/>
+                    </a:p>
+                  </a:txBody>
+                  <a:tcPr/>
+                </a:tc>
+                <a:tc>
+                  <a:txBody>
+                    <a:bodyPr/>
+                    <a:lstStyle/>
+                    <a:p>
+                      <a:r>
+                        <a:rPr kumimoji="1" lang="ja-JP" altLang="en-US" sz="1400" dirty="0"/>
+                        <a:t>「影響する因子」が異常の要因候補をカバーできていないと、予測精度が上がらない可能性があります</a:t>
+                      </a:r>
+                      <a:endParaRPr kumimoji="1" lang="en-US" altLang="ja-JP" sz="1400" dirty="0"/>
+                    </a:p>
+                  </a:txBody>
+                  <a:tcPr/>
+                </a:tc>
+                <a:extLst>
+                  <a:ext uri="{0D108BD9-81ED-4DB2-BD59-A6C34878D82A}">
+                    <a16:rowId xmlns:a16="http://schemas.microsoft.com/office/drawing/2014/main" val="569638264"/>
+                  </a:ext>
+                </a:extLst>
+              </a:tr>
+            </a:tbl>
+          </a:graphicData>
+        </a:graphic>
+      </p:graphicFrame>
+    </p:spTree>
+    <p:extLst>
+      <p:ext uri="{BB962C8B-B14F-4D97-AF65-F5344CB8AC3E}">
+        <p14:creationId xmlns:p14="http://schemas.microsoft.com/office/powerpoint/2010/main" val="2657853166"/>
+      </p:ext>
+    </p:extLst>
+  </p:cSld>
+  <p:clrMapOvr>
+    <a:masterClrMapping/>
+  </p:clrMapOvr>
+</p:sld>
+</file>
+
+<file path=ppt/slides/slide6.xml><?xml version="1.0" encoding="utf-8"?>
+<p:sld xmlns:a="http://schemas.openxmlformats.org/drawingml/2006/main" xmlns:r="http://schemas.openxmlformats.org/officeDocument/2006/relationships" xmlns:p="http://schemas.openxmlformats.org/presentationml/2006/main">
+  <p:cSld>
+    <p:spTree>
+      <p:nvGrpSpPr>
+        <p:cNvPr id="1" name=""/>
+        <p:cNvGrpSpPr/>
+        <p:nvPr/>
+      </p:nvGrpSpPr>
+      <p:grpSpPr>
+        <a:xfrm>
+          <a:off x="0" y="0"/>
+          <a:ext cx="0" cy="0"/>
+          <a:chOff x="0" y="0"/>
+          <a:chExt cx="0" cy="0"/>
+        </a:xfrm>
+      </p:grpSpPr>
+      <p:sp>
+        <p:nvSpPr>
+          <p:cNvPr id="2" name="テキスト プレースホルダー 1">
+            <a:extLst>
+              <a:ext uri="{FF2B5EF4-FFF2-40B4-BE49-F238E27FC236}">
+                <a16:creationId xmlns:a16="http://schemas.microsoft.com/office/drawing/2014/main" id="{449A1F21-4A5F-4BE9-AF11-A6EF19D6BE17}"/>
+              </a:ext>
+            </a:extLst>
+          </p:cNvPr>
+          <p:cNvSpPr>
+            <a:spLocks noGrp="1"/>
+          </p:cNvSpPr>
+          <p:nvPr>
+            <p:ph type="body" sz="quarter" idx="18"/>
+          </p:nvPr>
+        </p:nvSpPr>
+        <p:spPr/>
+        <p:txBody>
+          <a:bodyPr/>
+          <a:lstStyle/>
+          <a:p>
+            <a:endParaRPr kumimoji="1" lang="ja-JP" altLang="en-US" dirty="0"/>
+          </a:p>
+        </p:txBody>
+      </p:sp>
+      <p:sp>
+        <p:nvSpPr>
+          <p:cNvPr id="3" name="テキスト プレースホルダー 2">
+            <a:extLst>
+              <a:ext uri="{FF2B5EF4-FFF2-40B4-BE49-F238E27FC236}">
+                <a16:creationId xmlns:a16="http://schemas.microsoft.com/office/drawing/2014/main" id="{9BA0D052-E7B6-4633-A1A3-E5043EF7DB77}"/>
+              </a:ext>
+            </a:extLst>
+          </p:cNvPr>
+          <p:cNvSpPr>
+            <a:spLocks noGrp="1"/>
+          </p:cNvSpPr>
+          <p:nvPr>
+            <p:ph type="body" sz="quarter" idx="20"/>
+          </p:nvPr>
+        </p:nvSpPr>
+        <p:spPr/>
+        <p:txBody>
+          <a:bodyPr/>
+          <a:lstStyle/>
+          <a:p>
+            <a:r>
+              <a:rPr kumimoji="1" lang="ja-JP" altLang="en-US" dirty="0"/>
+              <a:t>その他</a:t>
+            </a:r>
+          </a:p>
+        </p:txBody>
+      </p:sp>
+      <p:sp>
+        <p:nvSpPr>
+          <p:cNvPr id="4" name="日付プレースホルダー 3">
+            <a:extLst>
+              <a:ext uri="{FF2B5EF4-FFF2-40B4-BE49-F238E27FC236}">
+                <a16:creationId xmlns:a16="http://schemas.microsoft.com/office/drawing/2014/main" id="{C8500C64-85DB-4C84-ACC6-B8833391C45B}"/>
+              </a:ext>
+            </a:extLst>
+          </p:cNvPr>
+          <p:cNvSpPr>
+            <a:spLocks noGrp="1"/>
+          </p:cNvSpPr>
+          <p:nvPr>
+            <p:ph type="dt" sz="half" idx="19"/>
+          </p:nvPr>
+        </p:nvSpPr>
+        <p:spPr/>
+        <p:txBody>
+          <a:bodyPr/>
+          <a:lstStyle/>
+          <a:p>
+            <a:fld id="{FCAFAC13-DB77-42F2-BE26-45BA5532FD50}" type="datetime4">
+              <a:rPr lang="en-US" altLang="ja-JP" smtClean="0"/>
+              <a:pPr/>
+              <a:t>November 23, 2023</a:t>
+            </a:fld>
+            <a:endParaRPr lang="en-US" dirty="0"/>
+          </a:p>
+        </p:txBody>
+      </p:sp>
+      <p:graphicFrame>
+        <p:nvGraphicFramePr>
+          <p:cNvPr id="5" name="表 5">
+            <a:extLst>
+              <a:ext uri="{FF2B5EF4-FFF2-40B4-BE49-F238E27FC236}">
+                <a16:creationId xmlns:a16="http://schemas.microsoft.com/office/drawing/2014/main" id="{410648F6-0CBF-4DC1-8F5F-9FE05E127E95}"/>
+              </a:ext>
+            </a:extLst>
+          </p:cNvPr>
+          <p:cNvGraphicFramePr>
+            <a:graphicFrameLocks noGrp="1"/>
+          </p:cNvGraphicFramePr>
+          <p:nvPr>
+            <p:extLst>
+              <p:ext uri="{D42A27DB-BD31-4B8C-83A1-F6EECF244321}">
+                <p14:modId xmlns:p14="http://schemas.microsoft.com/office/powerpoint/2010/main" val="1399408104"/>
+              </p:ext>
+            </p:extLst>
+          </p:nvPr>
+        </p:nvGraphicFramePr>
+        <p:xfrm>
+          <a:off x="443077" y="767396"/>
+          <a:ext cx="11341555" cy="1112520"/>
+        </p:xfrm>
+        <a:graphic>
+          <a:graphicData uri="http://schemas.openxmlformats.org/drawingml/2006/table">
+            <a:tbl>
+              <a:tblPr firstRow="1" bandRow="1">
+                <a:tableStyleId>{5C22544A-7EE6-4342-B048-85BDC9FD1C3A}</a:tableStyleId>
+              </a:tblPr>
+              <a:tblGrid>
+                <a:gridCol w="1353639">
+                  <a:extLst>
+                    <a:ext uri="{9D8B030D-6E8A-4147-A177-3AD203B41FA5}">
+                      <a16:colId xmlns:a16="http://schemas.microsoft.com/office/drawing/2014/main" val="446057726"/>
+                    </a:ext>
+                  </a:extLst>
+                </a:gridCol>
+                <a:gridCol w="7214033">
+                  <a:extLst>
+                    <a:ext uri="{9D8B030D-6E8A-4147-A177-3AD203B41FA5}">
+                      <a16:colId xmlns:a16="http://schemas.microsoft.com/office/drawing/2014/main" val="107180289"/>
+                    </a:ext>
+                  </a:extLst>
+                </a:gridCol>
+                <a:gridCol w="2773883">
+                  <a:extLst>
+                    <a:ext uri="{9D8B030D-6E8A-4147-A177-3AD203B41FA5}">
+                      <a16:colId xmlns:a16="http://schemas.microsoft.com/office/drawing/2014/main" val="2766736514"/>
+                    </a:ext>
+                  </a:extLst>
+                </a:gridCol>
+              </a:tblGrid>
+              <a:tr h="370840">
+                <a:tc>
+                  <a:txBody>
+                    <a:bodyPr/>
+                    <a:lstStyle/>
+                    <a:p>
+                      <a:r>
+                        <a:rPr kumimoji="1" lang="ja-JP" altLang="en-US" dirty="0"/>
+                        <a:t>項目</a:t>
+                      </a:r>
+                    </a:p>
+                  </a:txBody>
+                  <a:tcPr/>
+                </a:tc>
+                <a:tc>
+                  <a:txBody>
+                    <a:bodyPr/>
+                    <a:lstStyle/>
+                    <a:p>
+                      <a:r>
+                        <a:rPr kumimoji="1" lang="ja-JP" altLang="en-US" dirty="0"/>
+                        <a:t>課題</a:t>
+                      </a:r>
+                    </a:p>
+                  </a:txBody>
+                  <a:tcPr/>
+                </a:tc>
+                <a:tc>
+                  <a:txBody>
+                    <a:bodyPr/>
+                    <a:lstStyle/>
+                    <a:p>
+                      <a:r>
+                        <a:rPr kumimoji="1" lang="ja-JP" altLang="en-US" dirty="0"/>
+                        <a:t>懸念点</a:t>
+                      </a:r>
+                    </a:p>
+                  </a:txBody>
+                  <a:tcPr/>
+                </a:tc>
+                <a:extLst>
+                  <a:ext uri="{0D108BD9-81ED-4DB2-BD59-A6C34878D82A}">
+                    <a16:rowId xmlns:a16="http://schemas.microsoft.com/office/drawing/2014/main" val="78086130"/>
+                  </a:ext>
+                </a:extLst>
+              </a:tr>
+              <a:tr h="370840">
+                <a:tc>
+                  <a:txBody>
+                    <a:bodyPr/>
+                    <a:lstStyle/>
+                    <a:p>
+                      <a:r>
+                        <a:rPr kumimoji="1" lang="ja-JP" altLang="en-US" sz="1400" dirty="0"/>
+                        <a:t>運用</a:t>
+                      </a:r>
+                    </a:p>
+                  </a:txBody>
+                  <a:tcPr/>
+                </a:tc>
+                <a:tc>
+                  <a:txBody>
+                    <a:bodyPr/>
+                    <a:lstStyle/>
+                    <a:p>
+                      <a:r>
+                        <a:rPr kumimoji="1" lang="ja-JP" altLang="en-US" sz="1400" dirty="0"/>
+                        <a:t>データの質が変わる場合モデルの再学習が必要になります</a:t>
+                      </a:r>
+                    </a:p>
+                  </a:txBody>
+                  <a:tcPr/>
+                </a:tc>
+                <a:tc>
+                  <a:txBody>
+                    <a:bodyPr/>
+                    <a:lstStyle/>
+                    <a:p>
+                      <a:endParaRPr kumimoji="1" lang="en-US" altLang="ja-JP" sz="1400" dirty="0"/>
+                    </a:p>
+                  </a:txBody>
+                  <a:tcPr/>
+                </a:tc>
+                <a:extLst>
+                  <a:ext uri="{0D108BD9-81ED-4DB2-BD59-A6C34878D82A}">
+                    <a16:rowId xmlns:a16="http://schemas.microsoft.com/office/drawing/2014/main" val="1637596726"/>
+                  </a:ext>
+                </a:extLst>
+              </a:tr>
+              <a:tr h="370840">
+                <a:tc>
+                  <a:txBody>
+                    <a:bodyPr/>
+                    <a:lstStyle/>
+                    <a:p>
+                      <a:endParaRPr kumimoji="1" lang="ja-JP" altLang="en-US" sz="1400" dirty="0"/>
+                    </a:p>
+                  </a:txBody>
+                  <a:tcPr/>
+                </a:tc>
+                <a:tc>
+                  <a:txBody>
+                    <a:bodyPr/>
+                    <a:lstStyle/>
+                    <a:p>
+                      <a:endParaRPr kumimoji="1" lang="ja-JP" altLang="en-US" sz="1400" dirty="0"/>
+                    </a:p>
+                  </a:txBody>
+                  <a:tcPr/>
+                </a:tc>
+                <a:tc>
+                  <a:txBody>
+                    <a:bodyPr/>
+                    <a:lstStyle/>
+                    <a:p>
+                      <a:endParaRPr kumimoji="1" lang="en-US" altLang="ja-JP" sz="1400" dirty="0"/>
+                    </a:p>
+                  </a:txBody>
+                  <a:tcPr/>
+                </a:tc>
+                <a:extLst>
+                  <a:ext uri="{0D108BD9-81ED-4DB2-BD59-A6C34878D82A}">
+                    <a16:rowId xmlns:a16="http://schemas.microsoft.com/office/drawing/2014/main" val="4174743010"/>
+                  </a:ext>
+                </a:extLst>
+              </a:tr>
+            </a:tbl>
+          </a:graphicData>
+        </a:graphic>
+      </p:graphicFrame>
+    </p:spTree>
+    <p:extLst>
+      <p:ext uri="{BB962C8B-B14F-4D97-AF65-F5344CB8AC3E}">
+        <p14:creationId xmlns:p14="http://schemas.microsoft.com/office/powerpoint/2010/main" val="1842888630"/>
+      </p:ext>
+    </p:extLst>
+  </p:cSld>
+  <p:clrMapOvr>
+    <a:masterClrMapping/>
+  </p:clrMapOvr>
+</p:sld>
+</file>
+
+<file path=ppt/slides/slide7.xml><?xml version="1.0" encoding="utf-8"?>
 <p:sld xmlns:a="http://schemas.openxmlformats.org/drawingml/2006/main" xmlns:r="http://schemas.openxmlformats.org/officeDocument/2006/relationships" xmlns:p="http://schemas.openxmlformats.org/presentationml/2006/main">
   <p:cSld>
     <p:spTree>
@@ -23101,7 +27193,7 @@
             <a:fld id="{FCAFAC13-DB77-42F2-BE26-45BA5532FD50}" type="datetime4">
               <a:rPr lang="en-US" altLang="ja-JP" smtClean="0"/>
               <a:pPr/>
-              <a:t>November 22, 2023</a:t>
+              <a:t>November 23, 2023</a:t>
             </a:fld>
             <a:endParaRPr lang="en-US" dirty="0"/>
           </a:p>
@@ -23120,7 +27212,7 @@
 </p:sld>
 </file>
 
-<file path=ppt/slides/slide5.xml><?xml version="1.0" encoding="utf-8"?>
+<file path=ppt/slides/slide8.xml><?xml version="1.0" encoding="utf-8"?>
 <p:sld xmlns:a="http://schemas.openxmlformats.org/drawingml/2006/main" xmlns:r="http://schemas.openxmlformats.org/officeDocument/2006/relationships" xmlns:p="http://schemas.openxmlformats.org/presentationml/2006/main">
   <p:cSld>
     <p:spTree>
